--- a/PA2578/assignment 2/context diagram.pptx
+++ b/PA2578/assignment 2/context diagram.pptx
@@ -7,6 +7,8 @@
   <p:sldIdLst>
     <p:sldId id="256" r:id="rId2"/>
     <p:sldId id="257" r:id="rId3"/>
+    <p:sldId id="258" r:id="rId4"/>
+    <p:sldId id="259" r:id="rId5"/>
   </p:sldIdLst>
   <p:sldSz cx="12192000" cy="6858000"/>
   <p:notesSz cx="6858000" cy="9144000"/>
@@ -105,6 +107,11 @@
       </a:defRPr>
     </a:lvl9pPr>
   </p:defaultTextStyle>
+  <p:extLst>
+    <p:ext uri="{EFAFB233-063F-42B5-8137-9DF3F51BA10A}">
+      <p15:sldGuideLst xmlns:p15="http://schemas.microsoft.com/office/powerpoint/2012/main"/>
+    </p:ext>
+  </p:extLst>
 </p:presentation>
 </file>
 
@@ -257,7 +264,7 @@
           <a:p>
             <a:fld id="{B1EDB01A-E453-4239-A176-4D48EA5D3C74}" type="datetimeFigureOut">
               <a:rPr lang="en-SE" smtClean="0"/>
-              <a:t>2024-04-30</a:t>
+              <a:t>2024-05-09</a:t>
             </a:fld>
             <a:endParaRPr lang="en-SE"/>
           </a:p>
@@ -457,7 +464,7 @@
           <a:p>
             <a:fld id="{B1EDB01A-E453-4239-A176-4D48EA5D3C74}" type="datetimeFigureOut">
               <a:rPr lang="en-SE" smtClean="0"/>
-              <a:t>2024-04-30</a:t>
+              <a:t>2024-05-09</a:t>
             </a:fld>
             <a:endParaRPr lang="en-SE"/>
           </a:p>
@@ -667,7 +674,7 @@
           <a:p>
             <a:fld id="{B1EDB01A-E453-4239-A176-4D48EA5D3C74}" type="datetimeFigureOut">
               <a:rPr lang="en-SE" smtClean="0"/>
-              <a:t>2024-04-30</a:t>
+              <a:t>2024-05-09</a:t>
             </a:fld>
             <a:endParaRPr lang="en-SE"/>
           </a:p>
@@ -867,7 +874,7 @@
           <a:p>
             <a:fld id="{B1EDB01A-E453-4239-A176-4D48EA5D3C74}" type="datetimeFigureOut">
               <a:rPr lang="en-SE" smtClean="0"/>
-              <a:t>2024-04-30</a:t>
+              <a:t>2024-05-09</a:t>
             </a:fld>
             <a:endParaRPr lang="en-SE"/>
           </a:p>
@@ -1143,7 +1150,7 @@
           <a:p>
             <a:fld id="{B1EDB01A-E453-4239-A176-4D48EA5D3C74}" type="datetimeFigureOut">
               <a:rPr lang="en-SE" smtClean="0"/>
-              <a:t>2024-04-30</a:t>
+              <a:t>2024-05-09</a:t>
             </a:fld>
             <a:endParaRPr lang="en-SE"/>
           </a:p>
@@ -1411,7 +1418,7 @@
           <a:p>
             <a:fld id="{B1EDB01A-E453-4239-A176-4D48EA5D3C74}" type="datetimeFigureOut">
               <a:rPr lang="en-SE" smtClean="0"/>
-              <a:t>2024-04-30</a:t>
+              <a:t>2024-05-09</a:t>
             </a:fld>
             <a:endParaRPr lang="en-SE"/>
           </a:p>
@@ -1826,7 +1833,7 @@
           <a:p>
             <a:fld id="{B1EDB01A-E453-4239-A176-4D48EA5D3C74}" type="datetimeFigureOut">
               <a:rPr lang="en-SE" smtClean="0"/>
-              <a:t>2024-04-30</a:t>
+              <a:t>2024-05-09</a:t>
             </a:fld>
             <a:endParaRPr lang="en-SE"/>
           </a:p>
@@ -1968,7 +1975,7 @@
           <a:p>
             <a:fld id="{B1EDB01A-E453-4239-A176-4D48EA5D3C74}" type="datetimeFigureOut">
               <a:rPr lang="en-SE" smtClean="0"/>
-              <a:t>2024-04-30</a:t>
+              <a:t>2024-05-09</a:t>
             </a:fld>
             <a:endParaRPr lang="en-SE"/>
           </a:p>
@@ -2081,7 +2088,7 @@
           <a:p>
             <a:fld id="{B1EDB01A-E453-4239-A176-4D48EA5D3C74}" type="datetimeFigureOut">
               <a:rPr lang="en-SE" smtClean="0"/>
-              <a:t>2024-04-30</a:t>
+              <a:t>2024-05-09</a:t>
             </a:fld>
             <a:endParaRPr lang="en-SE"/>
           </a:p>
@@ -2394,7 +2401,7 @@
           <a:p>
             <a:fld id="{B1EDB01A-E453-4239-A176-4D48EA5D3C74}" type="datetimeFigureOut">
               <a:rPr lang="en-SE" smtClean="0"/>
-              <a:t>2024-04-30</a:t>
+              <a:t>2024-05-09</a:t>
             </a:fld>
             <a:endParaRPr lang="en-SE"/>
           </a:p>
@@ -2683,7 +2690,7 @@
           <a:p>
             <a:fld id="{B1EDB01A-E453-4239-A176-4D48EA5D3C74}" type="datetimeFigureOut">
               <a:rPr lang="en-SE" smtClean="0"/>
-              <a:t>2024-04-30</a:t>
+              <a:t>2024-05-09</a:t>
             </a:fld>
             <a:endParaRPr lang="en-SE"/>
           </a:p>
@@ -2926,7 +2933,7 @@
           <a:p>
             <a:fld id="{B1EDB01A-E453-4239-A176-4D48EA5D3C74}" type="datetimeFigureOut">
               <a:rPr lang="en-SE" smtClean="0"/>
-              <a:t>2024-04-30</a:t>
+              <a:t>2024-05-09</a:t>
             </a:fld>
             <a:endParaRPr lang="en-SE"/>
           </a:p>
@@ -5821,6 +5828,3851 @@
 </p:sld>
 </file>
 
+<file path=ppt/slides/slide3.xml><?xml version="1.0" encoding="utf-8"?>
+<p:sld xmlns:a="http://schemas.openxmlformats.org/drawingml/2006/main" xmlns:r="http://schemas.openxmlformats.org/officeDocument/2006/relationships" xmlns:p="http://schemas.openxmlformats.org/presentationml/2006/main">
+  <p:cSld>
+    <p:spTree>
+      <p:nvGrpSpPr>
+        <p:cNvPr id="1" name=""/>
+        <p:cNvGrpSpPr/>
+        <p:nvPr/>
+      </p:nvGrpSpPr>
+      <p:grpSpPr>
+        <a:xfrm>
+          <a:off x="0" y="0"/>
+          <a:ext cx="0" cy="0"/>
+          <a:chOff x="0" y="0"/>
+          <a:chExt cx="0" cy="0"/>
+        </a:xfrm>
+      </p:grpSpPr>
+      <p:pic>
+        <p:nvPicPr>
+          <p:cNvPr id="97" name="Picture 96">
+            <a:extLst>
+              <a:ext uri="{FF2B5EF4-FFF2-40B4-BE49-F238E27FC236}">
+                <a16:creationId xmlns:a16="http://schemas.microsoft.com/office/drawing/2014/main" id="{C4AFF8AF-14D4-42C7-73B7-39A8E792281A}"/>
+              </a:ext>
+            </a:extLst>
+          </p:cNvPr>
+          <p:cNvPicPr>
+            <a:picLocks noChangeAspect="1"/>
+          </p:cNvPicPr>
+          <p:nvPr/>
+        </p:nvPicPr>
+        <p:blipFill>
+          <a:blip r:embed="rId2"/>
+          <a:stretch>
+            <a:fillRect/>
+          </a:stretch>
+        </p:blipFill>
+        <p:spPr>
+          <a:xfrm>
+            <a:off x="282960" y="353301"/>
+            <a:ext cx="11626080" cy="6151397"/>
+          </a:xfrm>
+          <a:prstGeom prst="rect">
+            <a:avLst/>
+          </a:prstGeom>
+        </p:spPr>
+      </p:pic>
+    </p:spTree>
+    <p:extLst>
+      <p:ext uri="{BB962C8B-B14F-4D97-AF65-F5344CB8AC3E}">
+        <p14:creationId xmlns:p14="http://schemas.microsoft.com/office/powerpoint/2010/main" val="840036289"/>
+      </p:ext>
+    </p:extLst>
+  </p:cSld>
+  <p:clrMapOvr>
+    <a:masterClrMapping/>
+  </p:clrMapOvr>
+</p:sld>
+</file>
+
+<file path=ppt/slides/slide4.xml><?xml version="1.0" encoding="utf-8"?>
+<p:sld xmlns:a="http://schemas.openxmlformats.org/drawingml/2006/main" xmlns:r="http://schemas.openxmlformats.org/officeDocument/2006/relationships" xmlns:p="http://schemas.openxmlformats.org/presentationml/2006/main">
+  <p:cSld>
+    <p:spTree>
+      <p:nvGrpSpPr>
+        <p:cNvPr id="1" name=""/>
+        <p:cNvGrpSpPr/>
+        <p:nvPr/>
+      </p:nvGrpSpPr>
+      <p:grpSpPr>
+        <a:xfrm>
+          <a:off x="0" y="0"/>
+          <a:ext cx="0" cy="0"/>
+          <a:chOff x="0" y="0"/>
+          <a:chExt cx="0" cy="0"/>
+        </a:xfrm>
+      </p:grpSpPr>
+      <p:grpSp>
+        <p:nvGrpSpPr>
+          <p:cNvPr id="12" name="Group 11">
+            <a:extLst>
+              <a:ext uri="{FF2B5EF4-FFF2-40B4-BE49-F238E27FC236}">
+                <a16:creationId xmlns:a16="http://schemas.microsoft.com/office/drawing/2014/main" id="{9E2889AA-C140-C8A8-9A13-567971EAA72B}"/>
+              </a:ext>
+            </a:extLst>
+          </p:cNvPr>
+          <p:cNvGrpSpPr/>
+          <p:nvPr/>
+        </p:nvGrpSpPr>
+        <p:grpSpPr>
+          <a:xfrm>
+            <a:off x="5928428" y="2098350"/>
+            <a:ext cx="2760955" cy="2221499"/>
+            <a:chOff x="2325949" y="2405848"/>
+            <a:chExt cx="2760955" cy="2221499"/>
+          </a:xfrm>
+        </p:grpSpPr>
+        <p:sp>
+          <p:nvSpPr>
+            <p:cNvPr id="4" name="TextBox 3">
+              <a:extLst>
+                <a:ext uri="{FF2B5EF4-FFF2-40B4-BE49-F238E27FC236}">
+                  <a16:creationId xmlns:a16="http://schemas.microsoft.com/office/drawing/2014/main" id="{33BD259E-2FB3-F12B-353E-D53EF3EE6AFB}"/>
+                </a:ext>
+              </a:extLst>
+            </p:cNvPr>
+            <p:cNvSpPr txBox="1"/>
+            <p:nvPr/>
+          </p:nvSpPr>
+          <p:spPr>
+            <a:xfrm>
+              <a:off x="2574524" y="2876365"/>
+              <a:ext cx="2281561" cy="261610"/>
+            </a:xfrm>
+            <a:prstGeom prst="rect">
+              <a:avLst/>
+            </a:prstGeom>
+            <a:noFill/>
+            <a:ln w="28575">
+              <a:solidFill>
+                <a:schemeClr val="tx1"/>
+              </a:solidFill>
+            </a:ln>
+          </p:spPr>
+          <p:txBody>
+            <a:bodyPr wrap="square" rtlCol="0">
+              <a:spAutoFit/>
+            </a:bodyPr>
+            <a:lstStyle/>
+            <a:p>
+              <a:pPr algn="ctr"/>
+              <a:r>
+                <a:rPr lang="en-US" sz="1050" b="1" dirty="0"/>
+                <a:t>Data Volume Forecast ML Model</a:t>
+              </a:r>
+              <a:endParaRPr lang="en-SE" sz="1050" b="1" dirty="0"/>
+            </a:p>
+          </p:txBody>
+        </p:sp>
+        <p:sp>
+          <p:nvSpPr>
+            <p:cNvPr id="6" name="TextBox 5">
+              <a:extLst>
+                <a:ext uri="{FF2B5EF4-FFF2-40B4-BE49-F238E27FC236}">
+                  <a16:creationId xmlns:a16="http://schemas.microsoft.com/office/drawing/2014/main" id="{35EAEB70-08B0-243A-3D2F-992193F6F24C}"/>
+                </a:ext>
+              </a:extLst>
+            </p:cNvPr>
+            <p:cNvSpPr txBox="1"/>
+            <p:nvPr/>
+          </p:nvSpPr>
+          <p:spPr>
+            <a:xfrm>
+              <a:off x="2589731" y="3266838"/>
+              <a:ext cx="2281561" cy="430887"/>
+            </a:xfrm>
+            <a:prstGeom prst="rect">
+              <a:avLst/>
+            </a:prstGeom>
+            <a:noFill/>
+            <a:ln>
+              <a:solidFill>
+                <a:schemeClr val="tx1"/>
+              </a:solidFill>
+            </a:ln>
+          </p:spPr>
+          <p:txBody>
+            <a:bodyPr wrap="square" rtlCol="0">
+              <a:spAutoFit/>
+            </a:bodyPr>
+            <a:lstStyle/>
+            <a:p>
+              <a:pPr algn="ctr"/>
+              <a:r>
+                <a:rPr lang="en-US" sz="1050" b="1" dirty="0"/>
+                <a:t>Average data consumption per subscriber Forecast ML Model</a:t>
+              </a:r>
+              <a:endParaRPr lang="en-SE" sz="1050" b="1" dirty="0"/>
+            </a:p>
+          </p:txBody>
+        </p:sp>
+        <p:sp>
+          <p:nvSpPr>
+            <p:cNvPr id="7" name="Rectangle 6">
+              <a:extLst>
+                <a:ext uri="{FF2B5EF4-FFF2-40B4-BE49-F238E27FC236}">
+                  <a16:creationId xmlns:a16="http://schemas.microsoft.com/office/drawing/2014/main" id="{444A2963-4639-DBB5-327F-2354A7A93A10}"/>
+                </a:ext>
+              </a:extLst>
+            </p:cNvPr>
+            <p:cNvSpPr/>
+            <p:nvPr/>
+          </p:nvSpPr>
+          <p:spPr>
+            <a:xfrm>
+              <a:off x="2325949" y="2405848"/>
+              <a:ext cx="2760955" cy="2221499"/>
+            </a:xfrm>
+            <a:prstGeom prst="rect">
+              <a:avLst/>
+            </a:prstGeom>
+            <a:noFill/>
+            <a:ln w="28575">
+              <a:solidFill>
+                <a:schemeClr val="accent6">
+                  <a:lumMod val="75000"/>
+                </a:schemeClr>
+              </a:solidFill>
+            </a:ln>
+          </p:spPr>
+          <p:style>
+            <a:lnRef idx="2">
+              <a:schemeClr val="accent1">
+                <a:shade val="15000"/>
+              </a:schemeClr>
+            </a:lnRef>
+            <a:fillRef idx="1">
+              <a:schemeClr val="accent1"/>
+            </a:fillRef>
+            <a:effectRef idx="0">
+              <a:schemeClr val="accent1"/>
+            </a:effectRef>
+            <a:fontRef idx="minor">
+              <a:schemeClr val="lt1"/>
+            </a:fontRef>
+          </p:style>
+          <p:txBody>
+            <a:bodyPr rtlCol="0" anchor="ctr"/>
+            <a:lstStyle/>
+            <a:p>
+              <a:pPr algn="ctr"/>
+              <a:endParaRPr lang="en-SE"/>
+            </a:p>
+          </p:txBody>
+        </p:sp>
+        <p:sp>
+          <p:nvSpPr>
+            <p:cNvPr id="9" name="TextBox 8">
+              <a:extLst>
+                <a:ext uri="{FF2B5EF4-FFF2-40B4-BE49-F238E27FC236}">
+                  <a16:creationId xmlns:a16="http://schemas.microsoft.com/office/drawing/2014/main" id="{7997DE69-781A-E52D-7BCB-DF3AC96C7E19}"/>
+                </a:ext>
+              </a:extLst>
+            </p:cNvPr>
+            <p:cNvSpPr txBox="1"/>
+            <p:nvPr/>
+          </p:nvSpPr>
+          <p:spPr>
+            <a:xfrm>
+              <a:off x="2659970" y="2411883"/>
+              <a:ext cx="2092912" cy="276999"/>
+            </a:xfrm>
+            <a:prstGeom prst="rect">
+              <a:avLst/>
+            </a:prstGeom>
+            <a:noFill/>
+          </p:spPr>
+          <p:txBody>
+            <a:bodyPr wrap="square">
+              <a:spAutoFit/>
+            </a:bodyPr>
+            <a:lstStyle/>
+            <a:p>
+              <a:pPr algn="ctr"/>
+              <a:r>
+                <a:rPr lang="en-US" sz="1200" b="1" dirty="0"/>
+                <a:t>AI Traffic Forecast</a:t>
+              </a:r>
+              <a:endParaRPr lang="en-SE" sz="1200" b="1" dirty="0"/>
+            </a:p>
+          </p:txBody>
+        </p:sp>
+        <p:sp>
+          <p:nvSpPr>
+            <p:cNvPr id="10" name="TextBox 9">
+              <a:extLst>
+                <a:ext uri="{FF2B5EF4-FFF2-40B4-BE49-F238E27FC236}">
+                  <a16:creationId xmlns:a16="http://schemas.microsoft.com/office/drawing/2014/main" id="{D647BA5C-1A07-E237-8307-4F2C3BA45BFD}"/>
+                </a:ext>
+              </a:extLst>
+            </p:cNvPr>
+            <p:cNvSpPr txBox="1"/>
+            <p:nvPr/>
+          </p:nvSpPr>
+          <p:spPr>
+            <a:xfrm>
+              <a:off x="2589731" y="4121278"/>
+              <a:ext cx="2281561" cy="261610"/>
+            </a:xfrm>
+            <a:prstGeom prst="rect">
+              <a:avLst/>
+            </a:prstGeom>
+            <a:noFill/>
+            <a:ln w="28575">
+              <a:solidFill>
+                <a:schemeClr val="tx1"/>
+              </a:solidFill>
+            </a:ln>
+          </p:spPr>
+          <p:txBody>
+            <a:bodyPr wrap="square" rtlCol="0">
+              <a:spAutoFit/>
+            </a:bodyPr>
+            <a:lstStyle/>
+            <a:p>
+              <a:pPr algn="ctr"/>
+              <a:r>
+                <a:rPr lang="en-US" sz="1050" b="1" dirty="0"/>
+                <a:t>Calculated Subscriber Forecast</a:t>
+              </a:r>
+              <a:endParaRPr lang="en-SE" sz="1050" b="1" dirty="0"/>
+            </a:p>
+          </p:txBody>
+        </p:sp>
+        <p:sp>
+          <p:nvSpPr>
+            <p:cNvPr id="11" name="Arrow: Down 10">
+              <a:extLst>
+                <a:ext uri="{FF2B5EF4-FFF2-40B4-BE49-F238E27FC236}">
+                  <a16:creationId xmlns:a16="http://schemas.microsoft.com/office/drawing/2014/main" id="{38EB2279-1274-118E-3F5E-A3051D652BD7}"/>
+                </a:ext>
+              </a:extLst>
+            </p:cNvPr>
+            <p:cNvSpPr/>
+            <p:nvPr/>
+          </p:nvSpPr>
+          <p:spPr>
+            <a:xfrm>
+              <a:off x="3553618" y="3798832"/>
+              <a:ext cx="199749" cy="257452"/>
+            </a:xfrm>
+            <a:prstGeom prst="downArrow">
+              <a:avLst/>
+            </a:prstGeom>
+          </p:spPr>
+          <p:style>
+            <a:lnRef idx="2">
+              <a:schemeClr val="accent1">
+                <a:shade val="15000"/>
+              </a:schemeClr>
+            </a:lnRef>
+            <a:fillRef idx="1">
+              <a:schemeClr val="accent1"/>
+            </a:fillRef>
+            <a:effectRef idx="0">
+              <a:schemeClr val="accent1"/>
+            </a:effectRef>
+            <a:fontRef idx="minor">
+              <a:schemeClr val="lt1"/>
+            </a:fontRef>
+          </p:style>
+          <p:txBody>
+            <a:bodyPr rtlCol="0" anchor="ctr"/>
+            <a:lstStyle/>
+            <a:p>
+              <a:pPr algn="ctr"/>
+              <a:endParaRPr lang="en-SE"/>
+            </a:p>
+          </p:txBody>
+        </p:sp>
+      </p:grpSp>
+      <p:cxnSp>
+        <p:nvCxnSpPr>
+          <p:cNvPr id="21" name="Straight Arrow Connector 20">
+            <a:extLst>
+              <a:ext uri="{FF2B5EF4-FFF2-40B4-BE49-F238E27FC236}">
+                <a16:creationId xmlns:a16="http://schemas.microsoft.com/office/drawing/2014/main" id="{6F479F3A-722A-7E48-5EB1-79FD9A418DB8}"/>
+              </a:ext>
+            </a:extLst>
+          </p:cNvPr>
+          <p:cNvCxnSpPr>
+            <a:cxnSpLocks/>
+            <a:stCxn id="13" idx="3"/>
+            <a:endCxn id="5" idx="2"/>
+          </p:cNvCxnSpPr>
+          <p:nvPr/>
+        </p:nvCxnSpPr>
+        <p:spPr>
+          <a:xfrm>
+            <a:off x="2907437" y="1294340"/>
+            <a:ext cx="330359" cy="857873"/>
+          </a:xfrm>
+          <a:prstGeom prst="straightConnector1">
+            <a:avLst/>
+          </a:prstGeom>
+          <a:ln>
+            <a:tailEnd type="triangle"/>
+          </a:ln>
+        </p:spPr>
+        <p:style>
+          <a:lnRef idx="1">
+            <a:schemeClr val="accent1"/>
+          </a:lnRef>
+          <a:fillRef idx="0">
+            <a:schemeClr val="accent1"/>
+          </a:fillRef>
+          <a:effectRef idx="0">
+            <a:schemeClr val="accent1"/>
+          </a:effectRef>
+          <a:fontRef idx="minor">
+            <a:schemeClr val="tx1"/>
+          </a:fontRef>
+        </p:style>
+      </p:cxnSp>
+      <p:cxnSp>
+        <p:nvCxnSpPr>
+          <p:cNvPr id="22" name="Straight Arrow Connector 21">
+            <a:extLst>
+              <a:ext uri="{FF2B5EF4-FFF2-40B4-BE49-F238E27FC236}">
+                <a16:creationId xmlns:a16="http://schemas.microsoft.com/office/drawing/2014/main" id="{9237E1CB-0145-E9A8-D213-290AF0A096E0}"/>
+              </a:ext>
+            </a:extLst>
+          </p:cNvPr>
+          <p:cNvCxnSpPr>
+            <a:cxnSpLocks/>
+            <a:stCxn id="14" idx="3"/>
+            <a:endCxn id="5" idx="2"/>
+          </p:cNvCxnSpPr>
+          <p:nvPr/>
+        </p:nvCxnSpPr>
+        <p:spPr>
+          <a:xfrm>
+            <a:off x="2907436" y="1635156"/>
+            <a:ext cx="330360" cy="517057"/>
+          </a:xfrm>
+          <a:prstGeom prst="straightConnector1">
+            <a:avLst/>
+          </a:prstGeom>
+          <a:ln>
+            <a:tailEnd type="triangle"/>
+          </a:ln>
+        </p:spPr>
+        <p:style>
+          <a:lnRef idx="1">
+            <a:schemeClr val="accent1"/>
+          </a:lnRef>
+          <a:fillRef idx="0">
+            <a:schemeClr val="accent1"/>
+          </a:fillRef>
+          <a:effectRef idx="0">
+            <a:schemeClr val="accent1"/>
+          </a:effectRef>
+          <a:fontRef idx="minor">
+            <a:schemeClr val="tx1"/>
+          </a:fontRef>
+        </p:style>
+      </p:cxnSp>
+      <p:cxnSp>
+        <p:nvCxnSpPr>
+          <p:cNvPr id="25" name="Straight Arrow Connector 24">
+            <a:extLst>
+              <a:ext uri="{FF2B5EF4-FFF2-40B4-BE49-F238E27FC236}">
+                <a16:creationId xmlns:a16="http://schemas.microsoft.com/office/drawing/2014/main" id="{C61BCD6E-5CD1-B1CE-5321-9899560AD14C}"/>
+              </a:ext>
+            </a:extLst>
+          </p:cNvPr>
+          <p:cNvCxnSpPr>
+            <a:cxnSpLocks/>
+            <a:stCxn id="15" idx="3"/>
+            <a:endCxn id="5" idx="2"/>
+          </p:cNvCxnSpPr>
+          <p:nvPr/>
+        </p:nvCxnSpPr>
+        <p:spPr>
+          <a:xfrm>
+            <a:off x="2907436" y="1975972"/>
+            <a:ext cx="330360" cy="176241"/>
+          </a:xfrm>
+          <a:prstGeom prst="straightConnector1">
+            <a:avLst/>
+          </a:prstGeom>
+          <a:ln>
+            <a:tailEnd type="triangle"/>
+          </a:ln>
+        </p:spPr>
+        <p:style>
+          <a:lnRef idx="1">
+            <a:schemeClr val="accent1"/>
+          </a:lnRef>
+          <a:fillRef idx="0">
+            <a:schemeClr val="accent1"/>
+          </a:fillRef>
+          <a:effectRef idx="0">
+            <a:schemeClr val="accent1"/>
+          </a:effectRef>
+          <a:fontRef idx="minor">
+            <a:schemeClr val="tx1"/>
+          </a:fontRef>
+        </p:style>
+      </p:cxnSp>
+      <p:cxnSp>
+        <p:nvCxnSpPr>
+          <p:cNvPr id="28" name="Straight Arrow Connector 27">
+            <a:extLst>
+              <a:ext uri="{FF2B5EF4-FFF2-40B4-BE49-F238E27FC236}">
+                <a16:creationId xmlns:a16="http://schemas.microsoft.com/office/drawing/2014/main" id="{5A133E46-180C-2B59-E959-B359DC97F34D}"/>
+              </a:ext>
+            </a:extLst>
+          </p:cNvPr>
+          <p:cNvCxnSpPr>
+            <a:cxnSpLocks/>
+            <a:stCxn id="16" idx="3"/>
+            <a:endCxn id="5" idx="2"/>
+          </p:cNvCxnSpPr>
+          <p:nvPr/>
+        </p:nvCxnSpPr>
+        <p:spPr>
+          <a:xfrm flipV="1">
+            <a:off x="2907436" y="2152213"/>
+            <a:ext cx="330360" cy="164575"/>
+          </a:xfrm>
+          <a:prstGeom prst="straightConnector1">
+            <a:avLst/>
+          </a:prstGeom>
+          <a:ln>
+            <a:tailEnd type="triangle"/>
+          </a:ln>
+        </p:spPr>
+        <p:style>
+          <a:lnRef idx="1">
+            <a:schemeClr val="accent1"/>
+          </a:lnRef>
+          <a:fillRef idx="0">
+            <a:schemeClr val="accent1"/>
+          </a:fillRef>
+          <a:effectRef idx="0">
+            <a:schemeClr val="accent1"/>
+          </a:effectRef>
+          <a:fontRef idx="minor">
+            <a:schemeClr val="tx1"/>
+          </a:fontRef>
+        </p:style>
+      </p:cxnSp>
+      <p:cxnSp>
+        <p:nvCxnSpPr>
+          <p:cNvPr id="31" name="Straight Arrow Connector 30">
+            <a:extLst>
+              <a:ext uri="{FF2B5EF4-FFF2-40B4-BE49-F238E27FC236}">
+                <a16:creationId xmlns:a16="http://schemas.microsoft.com/office/drawing/2014/main" id="{8DCBE7AB-8A32-76BB-D116-74FA5715A355}"/>
+              </a:ext>
+            </a:extLst>
+          </p:cNvPr>
+          <p:cNvCxnSpPr>
+            <a:cxnSpLocks/>
+            <a:stCxn id="17" idx="3"/>
+            <a:endCxn id="5" idx="2"/>
+          </p:cNvCxnSpPr>
+          <p:nvPr/>
+        </p:nvCxnSpPr>
+        <p:spPr>
+          <a:xfrm flipV="1">
+            <a:off x="2907436" y="2152213"/>
+            <a:ext cx="330360" cy="582335"/>
+          </a:xfrm>
+          <a:prstGeom prst="straightConnector1">
+            <a:avLst/>
+          </a:prstGeom>
+          <a:ln>
+            <a:tailEnd type="triangle"/>
+          </a:ln>
+        </p:spPr>
+        <p:style>
+          <a:lnRef idx="1">
+            <a:schemeClr val="accent1"/>
+          </a:lnRef>
+          <a:fillRef idx="0">
+            <a:schemeClr val="accent1"/>
+          </a:fillRef>
+          <a:effectRef idx="0">
+            <a:schemeClr val="accent1"/>
+          </a:effectRef>
+          <a:fontRef idx="minor">
+            <a:schemeClr val="tx1"/>
+          </a:fontRef>
+        </p:style>
+      </p:cxnSp>
+      <p:cxnSp>
+        <p:nvCxnSpPr>
+          <p:cNvPr id="34" name="Straight Arrow Connector 33">
+            <a:extLst>
+              <a:ext uri="{FF2B5EF4-FFF2-40B4-BE49-F238E27FC236}">
+                <a16:creationId xmlns:a16="http://schemas.microsoft.com/office/drawing/2014/main" id="{258AE92F-EF67-B42D-2081-A17CB0025010}"/>
+              </a:ext>
+            </a:extLst>
+          </p:cNvPr>
+          <p:cNvCxnSpPr>
+            <a:cxnSpLocks/>
+            <a:stCxn id="18" idx="3"/>
+            <a:endCxn id="5" idx="2"/>
+          </p:cNvCxnSpPr>
+          <p:nvPr/>
+        </p:nvCxnSpPr>
+        <p:spPr>
+          <a:xfrm flipV="1">
+            <a:off x="2907436" y="2152213"/>
+            <a:ext cx="330360" cy="1000096"/>
+          </a:xfrm>
+          <a:prstGeom prst="straightConnector1">
+            <a:avLst/>
+          </a:prstGeom>
+          <a:ln>
+            <a:tailEnd type="triangle"/>
+          </a:ln>
+        </p:spPr>
+        <p:style>
+          <a:lnRef idx="1">
+            <a:schemeClr val="accent1"/>
+          </a:lnRef>
+          <a:fillRef idx="0">
+            <a:schemeClr val="accent1"/>
+          </a:fillRef>
+          <a:effectRef idx="0">
+            <a:schemeClr val="accent1"/>
+          </a:effectRef>
+          <a:fontRef idx="minor">
+            <a:schemeClr val="tx1"/>
+          </a:fontRef>
+        </p:style>
+      </p:cxnSp>
+      <p:sp>
+        <p:nvSpPr>
+          <p:cNvPr id="55" name="TextBox 54">
+            <a:extLst>
+              <a:ext uri="{FF2B5EF4-FFF2-40B4-BE49-F238E27FC236}">
+                <a16:creationId xmlns:a16="http://schemas.microsoft.com/office/drawing/2014/main" id="{5C1BD550-A882-D24A-6C74-18D37949C345}"/>
+              </a:ext>
+            </a:extLst>
+          </p:cNvPr>
+          <p:cNvSpPr txBox="1"/>
+          <p:nvPr/>
+        </p:nvSpPr>
+        <p:spPr>
+          <a:xfrm>
+            <a:off x="6177002" y="1640441"/>
+            <a:ext cx="2281561" cy="246221"/>
+          </a:xfrm>
+          <a:prstGeom prst="rect">
+            <a:avLst/>
+          </a:prstGeom>
+          <a:noFill/>
+          <a:ln>
+            <a:solidFill>
+              <a:schemeClr val="tx1"/>
+            </a:solidFill>
+          </a:ln>
+        </p:spPr>
+        <p:txBody>
+          <a:bodyPr wrap="square" rtlCol="0">
+            <a:spAutoFit/>
+          </a:bodyPr>
+          <a:lstStyle/>
+          <a:p>
+            <a:pPr algn="ctr"/>
+            <a:r>
+              <a:rPr lang="en-US" sz="1000" b="1" dirty="0"/>
+              <a:t>Platform</a:t>
+            </a:r>
+            <a:r>
+              <a:rPr lang="en-US" sz="1000" dirty="0"/>
+              <a:t>: Internal ML platform</a:t>
+            </a:r>
+            <a:endParaRPr lang="en-SE" sz="1000" dirty="0"/>
+          </a:p>
+        </p:txBody>
+      </p:sp>
+      <p:cxnSp>
+        <p:nvCxnSpPr>
+          <p:cNvPr id="56" name="Straight Arrow Connector 55">
+            <a:extLst>
+              <a:ext uri="{FF2B5EF4-FFF2-40B4-BE49-F238E27FC236}">
+                <a16:creationId xmlns:a16="http://schemas.microsoft.com/office/drawing/2014/main" id="{70B66AA9-1CB1-379D-28E3-675D3F260EB8}"/>
+              </a:ext>
+            </a:extLst>
+          </p:cNvPr>
+          <p:cNvCxnSpPr>
+            <a:cxnSpLocks/>
+            <a:stCxn id="55" idx="2"/>
+            <a:endCxn id="9" idx="0"/>
+          </p:cNvCxnSpPr>
+          <p:nvPr/>
+        </p:nvCxnSpPr>
+        <p:spPr>
+          <a:xfrm rot="5400000">
+            <a:off x="7204483" y="1991084"/>
+            <a:ext cx="217723" cy="8878"/>
+          </a:xfrm>
+          <a:prstGeom prst="bentConnector3">
+            <a:avLst>
+              <a:gd name="adj1" fmla="val 50000"/>
+            </a:avLst>
+          </a:prstGeom>
+          <a:ln w="38100">
+            <a:tailEnd type="triangle"/>
+          </a:ln>
+        </p:spPr>
+        <p:style>
+          <a:lnRef idx="1">
+            <a:schemeClr val="accent1"/>
+          </a:lnRef>
+          <a:fillRef idx="0">
+            <a:schemeClr val="accent1"/>
+          </a:fillRef>
+          <a:effectRef idx="0">
+            <a:schemeClr val="accent1"/>
+          </a:effectRef>
+          <a:fontRef idx="minor">
+            <a:schemeClr val="tx1"/>
+          </a:fontRef>
+        </p:style>
+      </p:cxnSp>
+      <p:grpSp>
+        <p:nvGrpSpPr>
+          <p:cNvPr id="74" name="Group 73">
+            <a:extLst>
+              <a:ext uri="{FF2B5EF4-FFF2-40B4-BE49-F238E27FC236}">
+                <a16:creationId xmlns:a16="http://schemas.microsoft.com/office/drawing/2014/main" id="{EEC139A5-AB40-FF2E-CEC7-76533F711A94}"/>
+              </a:ext>
+            </a:extLst>
+          </p:cNvPr>
+          <p:cNvGrpSpPr/>
+          <p:nvPr/>
+        </p:nvGrpSpPr>
+        <p:grpSpPr>
+          <a:xfrm>
+            <a:off x="345954" y="1087582"/>
+            <a:ext cx="2561483" cy="2308324"/>
+            <a:chOff x="1171578" y="1087582"/>
+            <a:chExt cx="2561483" cy="2308324"/>
+          </a:xfrm>
+        </p:grpSpPr>
+        <p:sp>
+          <p:nvSpPr>
+            <p:cNvPr id="13" name="TextBox 12">
+              <a:extLst>
+                <a:ext uri="{FF2B5EF4-FFF2-40B4-BE49-F238E27FC236}">
+                  <a16:creationId xmlns:a16="http://schemas.microsoft.com/office/drawing/2014/main" id="{50B5B605-0AAD-E02F-CEFB-999DEA39E864}"/>
+                </a:ext>
+              </a:extLst>
+            </p:cNvPr>
+            <p:cNvSpPr txBox="1"/>
+            <p:nvPr/>
+          </p:nvSpPr>
+          <p:spPr>
+            <a:xfrm>
+              <a:off x="1451500" y="1171229"/>
+              <a:ext cx="2281561" cy="246221"/>
+            </a:xfrm>
+            <a:prstGeom prst="rect">
+              <a:avLst/>
+            </a:prstGeom>
+            <a:noFill/>
+            <a:ln>
+              <a:solidFill>
+                <a:schemeClr val="tx1"/>
+              </a:solidFill>
+            </a:ln>
+          </p:spPr>
+          <p:txBody>
+            <a:bodyPr wrap="square" rtlCol="0">
+              <a:spAutoFit/>
+            </a:bodyPr>
+            <a:lstStyle/>
+            <a:p>
+              <a:pPr algn="ctr"/>
+              <a:r>
+                <a:rPr lang="en-US" sz="1000" dirty="0"/>
+                <a:t>System 1 (historical data usage data)</a:t>
+              </a:r>
+              <a:endParaRPr lang="en-SE" sz="1000" dirty="0"/>
+            </a:p>
+          </p:txBody>
+        </p:sp>
+        <p:sp>
+          <p:nvSpPr>
+            <p:cNvPr id="14" name="TextBox 13">
+              <a:extLst>
+                <a:ext uri="{FF2B5EF4-FFF2-40B4-BE49-F238E27FC236}">
+                  <a16:creationId xmlns:a16="http://schemas.microsoft.com/office/drawing/2014/main" id="{075C82F1-F442-327F-FF32-B49D41A2DED1}"/>
+                </a:ext>
+              </a:extLst>
+            </p:cNvPr>
+            <p:cNvSpPr txBox="1"/>
+            <p:nvPr/>
+          </p:nvSpPr>
+          <p:spPr>
+            <a:xfrm>
+              <a:off x="1451499" y="1512045"/>
+              <a:ext cx="2281561" cy="246221"/>
+            </a:xfrm>
+            <a:prstGeom prst="rect">
+              <a:avLst/>
+            </a:prstGeom>
+            <a:noFill/>
+            <a:ln>
+              <a:solidFill>
+                <a:schemeClr val="tx1"/>
+              </a:solidFill>
+            </a:ln>
+          </p:spPr>
+          <p:txBody>
+            <a:bodyPr wrap="square" rtlCol="0">
+              <a:spAutoFit/>
+            </a:bodyPr>
+            <a:lstStyle/>
+            <a:p>
+              <a:pPr algn="ctr"/>
+              <a:r>
+                <a:rPr lang="en-US" sz="1000" dirty="0"/>
+                <a:t>System 2 (historical subscriber details)</a:t>
+              </a:r>
+              <a:endParaRPr lang="en-SE" sz="1000" dirty="0"/>
+            </a:p>
+          </p:txBody>
+        </p:sp>
+        <p:sp>
+          <p:nvSpPr>
+            <p:cNvPr id="15" name="TextBox 14">
+              <a:extLst>
+                <a:ext uri="{FF2B5EF4-FFF2-40B4-BE49-F238E27FC236}">
+                  <a16:creationId xmlns:a16="http://schemas.microsoft.com/office/drawing/2014/main" id="{973E6A36-7B54-C0F0-12D0-15DBA3E639EA}"/>
+                </a:ext>
+              </a:extLst>
+            </p:cNvPr>
+            <p:cNvSpPr txBox="1"/>
+            <p:nvPr/>
+          </p:nvSpPr>
+          <p:spPr>
+            <a:xfrm>
+              <a:off x="1451499" y="1852861"/>
+              <a:ext cx="2281561" cy="246221"/>
+            </a:xfrm>
+            <a:prstGeom prst="rect">
+              <a:avLst/>
+            </a:prstGeom>
+            <a:noFill/>
+            <a:ln>
+              <a:solidFill>
+                <a:schemeClr val="tx1"/>
+              </a:solidFill>
+            </a:ln>
+          </p:spPr>
+          <p:txBody>
+            <a:bodyPr wrap="square" rtlCol="0">
+              <a:spAutoFit/>
+            </a:bodyPr>
+            <a:lstStyle/>
+            <a:p>
+              <a:pPr algn="ctr"/>
+              <a:r>
+                <a:rPr lang="en-US" sz="1000" dirty="0"/>
+                <a:t>System 3 (historical competitor details)</a:t>
+              </a:r>
+              <a:endParaRPr lang="en-SE" sz="1000" dirty="0"/>
+            </a:p>
+          </p:txBody>
+        </p:sp>
+        <p:sp>
+          <p:nvSpPr>
+            <p:cNvPr id="16" name="TextBox 15">
+              <a:extLst>
+                <a:ext uri="{FF2B5EF4-FFF2-40B4-BE49-F238E27FC236}">
+                  <a16:creationId xmlns:a16="http://schemas.microsoft.com/office/drawing/2014/main" id="{CD772AC2-E3F5-0F67-78A7-0D4588DFA537}"/>
+                </a:ext>
+              </a:extLst>
+            </p:cNvPr>
+            <p:cNvSpPr txBox="1"/>
+            <p:nvPr/>
+          </p:nvSpPr>
+          <p:spPr>
+            <a:xfrm>
+              <a:off x="1451499" y="2193677"/>
+              <a:ext cx="2281561" cy="246221"/>
+            </a:xfrm>
+            <a:prstGeom prst="rect">
+              <a:avLst/>
+            </a:prstGeom>
+            <a:noFill/>
+            <a:ln>
+              <a:solidFill>
+                <a:schemeClr val="tx1"/>
+              </a:solidFill>
+            </a:ln>
+          </p:spPr>
+          <p:txBody>
+            <a:bodyPr wrap="square" rtlCol="0">
+              <a:spAutoFit/>
+            </a:bodyPr>
+            <a:lstStyle/>
+            <a:p>
+              <a:pPr algn="ctr"/>
+              <a:r>
+                <a:rPr lang="en-US" sz="1000" dirty="0"/>
+                <a:t>System 4 (historical pricing details)</a:t>
+              </a:r>
+              <a:endParaRPr lang="en-SE" sz="1000" dirty="0"/>
+            </a:p>
+          </p:txBody>
+        </p:sp>
+        <p:sp>
+          <p:nvSpPr>
+            <p:cNvPr id="17" name="TextBox 16">
+              <a:extLst>
+                <a:ext uri="{FF2B5EF4-FFF2-40B4-BE49-F238E27FC236}">
+                  <a16:creationId xmlns:a16="http://schemas.microsoft.com/office/drawing/2014/main" id="{D5ECCEC2-6580-7886-E4EB-56D60F6784A0}"/>
+                </a:ext>
+              </a:extLst>
+            </p:cNvPr>
+            <p:cNvSpPr txBox="1"/>
+            <p:nvPr/>
+          </p:nvSpPr>
+          <p:spPr>
+            <a:xfrm>
+              <a:off x="1451499" y="2534493"/>
+              <a:ext cx="2281561" cy="400110"/>
+            </a:xfrm>
+            <a:prstGeom prst="rect">
+              <a:avLst/>
+            </a:prstGeom>
+            <a:noFill/>
+            <a:ln>
+              <a:solidFill>
+                <a:schemeClr val="tx1"/>
+              </a:solidFill>
+            </a:ln>
+          </p:spPr>
+          <p:txBody>
+            <a:bodyPr wrap="square" rtlCol="0">
+              <a:spAutoFit/>
+            </a:bodyPr>
+            <a:lstStyle/>
+            <a:p>
+              <a:pPr algn="ctr"/>
+              <a:r>
+                <a:rPr lang="en-US" sz="1000" dirty="0"/>
+                <a:t>System 5 (historical country level macro-economic data)</a:t>
+              </a:r>
+              <a:endParaRPr lang="en-SE" sz="1000" dirty="0"/>
+            </a:p>
+          </p:txBody>
+        </p:sp>
+        <p:sp>
+          <p:nvSpPr>
+            <p:cNvPr id="18" name="TextBox 17">
+              <a:extLst>
+                <a:ext uri="{FF2B5EF4-FFF2-40B4-BE49-F238E27FC236}">
+                  <a16:creationId xmlns:a16="http://schemas.microsoft.com/office/drawing/2014/main" id="{30D96845-2E83-18DB-4940-963C4DBE379E}"/>
+                </a:ext>
+              </a:extLst>
+            </p:cNvPr>
+            <p:cNvSpPr txBox="1"/>
+            <p:nvPr/>
+          </p:nvSpPr>
+          <p:spPr>
+            <a:xfrm>
+              <a:off x="1451499" y="3029198"/>
+              <a:ext cx="2281561" cy="246221"/>
+            </a:xfrm>
+            <a:prstGeom prst="rect">
+              <a:avLst/>
+            </a:prstGeom>
+            <a:noFill/>
+            <a:ln>
+              <a:solidFill>
+                <a:schemeClr val="tx1"/>
+              </a:solidFill>
+            </a:ln>
+          </p:spPr>
+          <p:txBody>
+            <a:bodyPr wrap="square" rtlCol="0">
+              <a:spAutoFit/>
+            </a:bodyPr>
+            <a:lstStyle/>
+            <a:p>
+              <a:pPr algn="ctr"/>
+              <a:r>
+                <a:rPr lang="en-US" sz="1000" dirty="0"/>
+                <a:t>System 6 (historical infrastructure data)</a:t>
+              </a:r>
+              <a:endParaRPr lang="en-SE" sz="1000" dirty="0"/>
+            </a:p>
+          </p:txBody>
+        </p:sp>
+        <p:sp>
+          <p:nvSpPr>
+            <p:cNvPr id="73" name="TextBox 72">
+              <a:extLst>
+                <a:ext uri="{FF2B5EF4-FFF2-40B4-BE49-F238E27FC236}">
+                  <a16:creationId xmlns:a16="http://schemas.microsoft.com/office/drawing/2014/main" id="{FAF30EB9-FE14-E886-FEDE-86F36394E842}"/>
+                </a:ext>
+              </a:extLst>
+            </p:cNvPr>
+            <p:cNvSpPr txBox="1"/>
+            <p:nvPr/>
+          </p:nvSpPr>
+          <p:spPr>
+            <a:xfrm>
+              <a:off x="1171578" y="1087582"/>
+              <a:ext cx="194475" cy="2308324"/>
+            </a:xfrm>
+            <a:prstGeom prst="rect">
+              <a:avLst/>
+            </a:prstGeom>
+            <a:noFill/>
+          </p:spPr>
+          <p:txBody>
+            <a:bodyPr wrap="square" rtlCol="0">
+              <a:spAutoFit/>
+            </a:bodyPr>
+            <a:lstStyle/>
+            <a:p>
+              <a:r>
+                <a:rPr lang="en-US" sz="1200" b="1" dirty="0"/>
+                <a:t>Data   </a:t>
+              </a:r>
+            </a:p>
+            <a:p>
+              <a:endParaRPr lang="en-US" sz="1200" b="1" dirty="0"/>
+            </a:p>
+            <a:p>
+              <a:r>
+                <a:rPr lang="en-US" sz="1200" b="1" dirty="0"/>
+                <a:t>Sources</a:t>
+              </a:r>
+              <a:endParaRPr lang="en-SE" sz="1200" b="1" dirty="0"/>
+            </a:p>
+          </p:txBody>
+        </p:sp>
+      </p:grpSp>
+      <p:sp>
+        <p:nvSpPr>
+          <p:cNvPr id="76" name="Rectangle 75">
+            <a:extLst>
+              <a:ext uri="{FF2B5EF4-FFF2-40B4-BE49-F238E27FC236}">
+                <a16:creationId xmlns:a16="http://schemas.microsoft.com/office/drawing/2014/main" id="{31633958-89B0-61F1-8366-BB7F2F51F597}"/>
+              </a:ext>
+            </a:extLst>
+          </p:cNvPr>
+          <p:cNvSpPr/>
+          <p:nvPr/>
+        </p:nvSpPr>
+        <p:spPr>
+          <a:xfrm>
+            <a:off x="5568885" y="1454802"/>
+            <a:ext cx="3480046" cy="3123176"/>
+          </a:xfrm>
+          <a:prstGeom prst="rect">
+            <a:avLst/>
+          </a:prstGeom>
+          <a:noFill/>
+          <a:ln w="28575">
+            <a:solidFill>
+              <a:schemeClr val="accent6">
+                <a:lumMod val="75000"/>
+              </a:schemeClr>
+            </a:solidFill>
+          </a:ln>
+        </p:spPr>
+        <p:style>
+          <a:lnRef idx="2">
+            <a:schemeClr val="accent1">
+              <a:shade val="15000"/>
+            </a:schemeClr>
+          </a:lnRef>
+          <a:fillRef idx="1">
+            <a:schemeClr val="accent1"/>
+          </a:fillRef>
+          <a:effectRef idx="0">
+            <a:schemeClr val="accent1"/>
+          </a:effectRef>
+          <a:fontRef idx="minor">
+            <a:schemeClr val="lt1"/>
+          </a:fontRef>
+        </p:style>
+        <p:txBody>
+          <a:bodyPr rtlCol="0" anchor="ctr"/>
+          <a:lstStyle/>
+          <a:p>
+            <a:pPr algn="ctr"/>
+            <a:endParaRPr lang="en-SE"/>
+          </a:p>
+        </p:txBody>
+      </p:sp>
+      <p:sp>
+        <p:nvSpPr>
+          <p:cNvPr id="80" name="TextBox 79">
+            <a:extLst>
+              <a:ext uri="{FF2B5EF4-FFF2-40B4-BE49-F238E27FC236}">
+                <a16:creationId xmlns:a16="http://schemas.microsoft.com/office/drawing/2014/main" id="{DB6403C1-C2E1-1C17-8CEF-D5CE37D3ABE8}"/>
+              </a:ext>
+            </a:extLst>
+          </p:cNvPr>
+          <p:cNvSpPr txBox="1"/>
+          <p:nvPr/>
+        </p:nvSpPr>
+        <p:spPr>
+          <a:xfrm>
+            <a:off x="9185059" y="2484228"/>
+            <a:ext cx="1155577" cy="400110"/>
+          </a:xfrm>
+          <a:prstGeom prst="rect">
+            <a:avLst/>
+          </a:prstGeom>
+          <a:noFill/>
+          <a:ln>
+            <a:solidFill>
+              <a:schemeClr val="tx1"/>
+            </a:solidFill>
+          </a:ln>
+        </p:spPr>
+        <p:txBody>
+          <a:bodyPr wrap="square" rtlCol="0">
+            <a:spAutoFit/>
+          </a:bodyPr>
+          <a:lstStyle/>
+          <a:p>
+            <a:pPr algn="ctr"/>
+            <a:r>
+              <a:rPr lang="en-US" sz="1000" b="1" dirty="0"/>
+              <a:t>Storage Platform</a:t>
+            </a:r>
+            <a:r>
+              <a:rPr lang="en-US" sz="1000" dirty="0"/>
+              <a:t>: Internal Data Lake</a:t>
+            </a:r>
+            <a:endParaRPr lang="en-SE" sz="1000" dirty="0"/>
+          </a:p>
+        </p:txBody>
+      </p:sp>
+      <p:cxnSp>
+        <p:nvCxnSpPr>
+          <p:cNvPr id="81" name="Straight Arrow Connector 80">
+            <a:extLst>
+              <a:ext uri="{FF2B5EF4-FFF2-40B4-BE49-F238E27FC236}">
+                <a16:creationId xmlns:a16="http://schemas.microsoft.com/office/drawing/2014/main" id="{760D839C-CB7D-6CB2-04A0-8A8F712BE463}"/>
+              </a:ext>
+            </a:extLst>
+          </p:cNvPr>
+          <p:cNvCxnSpPr>
+            <a:cxnSpLocks/>
+            <a:stCxn id="4" idx="3"/>
+            <a:endCxn id="80" idx="1"/>
+          </p:cNvCxnSpPr>
+          <p:nvPr/>
+        </p:nvCxnSpPr>
+        <p:spPr>
+          <a:xfrm flipV="1">
+            <a:off x="8458564" y="2684283"/>
+            <a:ext cx="726495" cy="15389"/>
+          </a:xfrm>
+          <a:prstGeom prst="straightConnector1">
+            <a:avLst/>
+          </a:prstGeom>
+          <a:ln>
+            <a:tailEnd type="triangle"/>
+          </a:ln>
+        </p:spPr>
+        <p:style>
+          <a:lnRef idx="1">
+            <a:schemeClr val="accent1"/>
+          </a:lnRef>
+          <a:fillRef idx="0">
+            <a:schemeClr val="accent1"/>
+          </a:fillRef>
+          <a:effectRef idx="0">
+            <a:schemeClr val="accent1"/>
+          </a:effectRef>
+          <a:fontRef idx="minor">
+            <a:schemeClr val="tx1"/>
+          </a:fontRef>
+        </p:style>
+      </p:cxnSp>
+      <p:cxnSp>
+        <p:nvCxnSpPr>
+          <p:cNvPr id="84" name="Straight Arrow Connector 83">
+            <a:extLst>
+              <a:ext uri="{FF2B5EF4-FFF2-40B4-BE49-F238E27FC236}">
+                <a16:creationId xmlns:a16="http://schemas.microsoft.com/office/drawing/2014/main" id="{92D10B5F-FD27-6463-11FE-9903F5CB44C1}"/>
+              </a:ext>
+            </a:extLst>
+          </p:cNvPr>
+          <p:cNvCxnSpPr>
+            <a:cxnSpLocks/>
+            <a:stCxn id="10" idx="3"/>
+            <a:endCxn id="80" idx="1"/>
+          </p:cNvCxnSpPr>
+          <p:nvPr/>
+        </p:nvCxnSpPr>
+        <p:spPr>
+          <a:xfrm flipV="1">
+            <a:off x="8473771" y="2684283"/>
+            <a:ext cx="711288" cy="1260302"/>
+          </a:xfrm>
+          <a:prstGeom prst="straightConnector1">
+            <a:avLst/>
+          </a:prstGeom>
+          <a:ln>
+            <a:tailEnd type="triangle"/>
+          </a:ln>
+        </p:spPr>
+        <p:style>
+          <a:lnRef idx="1">
+            <a:schemeClr val="accent1"/>
+          </a:lnRef>
+          <a:fillRef idx="0">
+            <a:schemeClr val="accent1"/>
+          </a:fillRef>
+          <a:effectRef idx="0">
+            <a:schemeClr val="accent1"/>
+          </a:effectRef>
+          <a:fontRef idx="minor">
+            <a:schemeClr val="tx1"/>
+          </a:fontRef>
+        </p:style>
+      </p:cxnSp>
+      <p:sp>
+        <p:nvSpPr>
+          <p:cNvPr id="89" name="TextBox 88">
+            <a:extLst>
+              <a:ext uri="{FF2B5EF4-FFF2-40B4-BE49-F238E27FC236}">
+                <a16:creationId xmlns:a16="http://schemas.microsoft.com/office/drawing/2014/main" id="{D42290FF-0837-29DD-43B2-DE5768A6B489}"/>
+              </a:ext>
+            </a:extLst>
+          </p:cNvPr>
+          <p:cNvSpPr txBox="1"/>
+          <p:nvPr/>
+        </p:nvSpPr>
+        <p:spPr>
+          <a:xfrm>
+            <a:off x="8821811" y="3832000"/>
+            <a:ext cx="1029069" cy="400110"/>
+          </a:xfrm>
+          <a:prstGeom prst="rect">
+            <a:avLst/>
+          </a:prstGeom>
+          <a:solidFill>
+            <a:schemeClr val="bg1"/>
+          </a:solidFill>
+          <a:ln>
+            <a:solidFill>
+              <a:schemeClr val="tx1"/>
+            </a:solidFill>
+          </a:ln>
+        </p:spPr>
+        <p:txBody>
+          <a:bodyPr wrap="square" rtlCol="0">
+            <a:spAutoFit/>
+          </a:bodyPr>
+          <a:lstStyle/>
+          <a:p>
+            <a:pPr algn="ctr"/>
+            <a:r>
+              <a:rPr lang="en-US" sz="1000" b="1" dirty="0"/>
+              <a:t>Consumption API</a:t>
+            </a:r>
+            <a:endParaRPr lang="en-SE" sz="1000" dirty="0"/>
+          </a:p>
+        </p:txBody>
+      </p:sp>
+      <p:cxnSp>
+        <p:nvCxnSpPr>
+          <p:cNvPr id="90" name="Straight Arrow Connector 89">
+            <a:extLst>
+              <a:ext uri="{FF2B5EF4-FFF2-40B4-BE49-F238E27FC236}">
+                <a16:creationId xmlns:a16="http://schemas.microsoft.com/office/drawing/2014/main" id="{DDF526DF-9FAE-D268-DB14-CE0782F1E5E6}"/>
+              </a:ext>
+            </a:extLst>
+          </p:cNvPr>
+          <p:cNvCxnSpPr>
+            <a:cxnSpLocks/>
+            <a:stCxn id="10" idx="3"/>
+            <a:endCxn id="89" idx="1"/>
+          </p:cNvCxnSpPr>
+          <p:nvPr/>
+        </p:nvCxnSpPr>
+        <p:spPr>
+          <a:xfrm>
+            <a:off x="8473771" y="3944585"/>
+            <a:ext cx="348040" cy="87470"/>
+          </a:xfrm>
+          <a:prstGeom prst="straightConnector1">
+            <a:avLst/>
+          </a:prstGeom>
+          <a:ln>
+            <a:tailEnd type="triangle"/>
+          </a:ln>
+        </p:spPr>
+        <p:style>
+          <a:lnRef idx="1">
+            <a:schemeClr val="accent1"/>
+          </a:lnRef>
+          <a:fillRef idx="0">
+            <a:schemeClr val="accent1"/>
+          </a:fillRef>
+          <a:effectRef idx="0">
+            <a:schemeClr val="accent1"/>
+          </a:effectRef>
+          <a:fontRef idx="minor">
+            <a:schemeClr val="tx1"/>
+          </a:fontRef>
+        </p:style>
+      </p:cxnSp>
+      <p:cxnSp>
+        <p:nvCxnSpPr>
+          <p:cNvPr id="93" name="Straight Arrow Connector 92">
+            <a:extLst>
+              <a:ext uri="{FF2B5EF4-FFF2-40B4-BE49-F238E27FC236}">
+                <a16:creationId xmlns:a16="http://schemas.microsoft.com/office/drawing/2014/main" id="{D523F455-8C90-150D-B6D8-B236652E39BA}"/>
+              </a:ext>
+            </a:extLst>
+          </p:cNvPr>
+          <p:cNvCxnSpPr>
+            <a:cxnSpLocks/>
+            <a:stCxn id="4" idx="3"/>
+            <a:endCxn id="89" idx="1"/>
+          </p:cNvCxnSpPr>
+          <p:nvPr/>
+        </p:nvCxnSpPr>
+        <p:spPr>
+          <a:xfrm>
+            <a:off x="8458564" y="2699672"/>
+            <a:ext cx="363247" cy="1332383"/>
+          </a:xfrm>
+          <a:prstGeom prst="straightConnector1">
+            <a:avLst/>
+          </a:prstGeom>
+          <a:ln>
+            <a:tailEnd type="triangle"/>
+          </a:ln>
+        </p:spPr>
+        <p:style>
+          <a:lnRef idx="1">
+            <a:schemeClr val="accent1"/>
+          </a:lnRef>
+          <a:fillRef idx="0">
+            <a:schemeClr val="accent1"/>
+          </a:fillRef>
+          <a:effectRef idx="0">
+            <a:schemeClr val="accent1"/>
+          </a:effectRef>
+          <a:fontRef idx="minor">
+            <a:schemeClr val="tx1"/>
+          </a:fontRef>
+        </p:style>
+      </p:cxnSp>
+      <p:sp>
+        <p:nvSpPr>
+          <p:cNvPr id="100" name="TextBox 99">
+            <a:extLst>
+              <a:ext uri="{FF2B5EF4-FFF2-40B4-BE49-F238E27FC236}">
+                <a16:creationId xmlns:a16="http://schemas.microsoft.com/office/drawing/2014/main" id="{7CFADE61-BD5A-9CC9-EDD2-EC758A2C3C4B}"/>
+              </a:ext>
+            </a:extLst>
+          </p:cNvPr>
+          <p:cNvSpPr txBox="1"/>
+          <p:nvPr/>
+        </p:nvSpPr>
+        <p:spPr>
+          <a:xfrm>
+            <a:off x="9927011" y="3218416"/>
+            <a:ext cx="1480351" cy="553998"/>
+          </a:xfrm>
+          <a:prstGeom prst="rect">
+            <a:avLst/>
+          </a:prstGeom>
+          <a:noFill/>
+          <a:ln>
+            <a:solidFill>
+              <a:schemeClr val="tx1"/>
+            </a:solidFill>
+          </a:ln>
+        </p:spPr>
+        <p:txBody>
+          <a:bodyPr wrap="square" rtlCol="0">
+            <a:spAutoFit/>
+          </a:bodyPr>
+          <a:lstStyle/>
+          <a:p>
+            <a:pPr algn="ctr"/>
+            <a:r>
+              <a:rPr lang="en-US" sz="1000" b="1" dirty="0"/>
+              <a:t>Visualization Platform</a:t>
+            </a:r>
+            <a:r>
+              <a:rPr lang="en-US" sz="1000" dirty="0"/>
+              <a:t>: Internal Visualization platform</a:t>
+            </a:r>
+            <a:endParaRPr lang="en-SE" sz="1000" dirty="0"/>
+          </a:p>
+        </p:txBody>
+      </p:sp>
+      <p:cxnSp>
+        <p:nvCxnSpPr>
+          <p:cNvPr id="101" name="Straight Arrow Connector 100">
+            <a:extLst>
+              <a:ext uri="{FF2B5EF4-FFF2-40B4-BE49-F238E27FC236}">
+                <a16:creationId xmlns:a16="http://schemas.microsoft.com/office/drawing/2014/main" id="{A65E27A9-36FA-0D48-A5C7-3BB56BD640C5}"/>
+              </a:ext>
+            </a:extLst>
+          </p:cNvPr>
+          <p:cNvCxnSpPr>
+            <a:cxnSpLocks/>
+            <a:stCxn id="80" idx="2"/>
+            <a:endCxn id="100" idx="1"/>
+          </p:cNvCxnSpPr>
+          <p:nvPr/>
+        </p:nvCxnSpPr>
+        <p:spPr>
+          <a:xfrm>
+            <a:off x="9762848" y="2884338"/>
+            <a:ext cx="164163" cy="611077"/>
+          </a:xfrm>
+          <a:prstGeom prst="straightConnector1">
+            <a:avLst/>
+          </a:prstGeom>
+          <a:ln>
+            <a:tailEnd type="triangle"/>
+          </a:ln>
+        </p:spPr>
+        <p:style>
+          <a:lnRef idx="1">
+            <a:schemeClr val="accent1"/>
+          </a:lnRef>
+          <a:fillRef idx="0">
+            <a:schemeClr val="accent1"/>
+          </a:fillRef>
+          <a:effectRef idx="0">
+            <a:schemeClr val="accent1"/>
+          </a:effectRef>
+          <a:fontRef idx="minor">
+            <a:schemeClr val="tx1"/>
+          </a:fontRef>
+        </p:style>
+      </p:cxnSp>
+      <p:cxnSp>
+        <p:nvCxnSpPr>
+          <p:cNvPr id="102" name="Straight Arrow Connector 101">
+            <a:extLst>
+              <a:ext uri="{FF2B5EF4-FFF2-40B4-BE49-F238E27FC236}">
+                <a16:creationId xmlns:a16="http://schemas.microsoft.com/office/drawing/2014/main" id="{E4E5D8AC-2BC8-579B-0D0E-68BD11027B59}"/>
+              </a:ext>
+            </a:extLst>
+          </p:cNvPr>
+          <p:cNvCxnSpPr>
+            <a:cxnSpLocks/>
+            <a:stCxn id="89" idx="3"/>
+            <a:endCxn id="100" idx="1"/>
+          </p:cNvCxnSpPr>
+          <p:nvPr/>
+        </p:nvCxnSpPr>
+        <p:spPr>
+          <a:xfrm flipV="1">
+            <a:off x="9850880" y="3495415"/>
+            <a:ext cx="76131" cy="536640"/>
+          </a:xfrm>
+          <a:prstGeom prst="straightConnector1">
+            <a:avLst/>
+          </a:prstGeom>
+          <a:ln>
+            <a:tailEnd type="triangle"/>
+          </a:ln>
+        </p:spPr>
+        <p:style>
+          <a:lnRef idx="1">
+            <a:schemeClr val="accent1"/>
+          </a:lnRef>
+          <a:fillRef idx="0">
+            <a:schemeClr val="accent1"/>
+          </a:fillRef>
+          <a:effectRef idx="0">
+            <a:schemeClr val="accent1"/>
+          </a:effectRef>
+          <a:fontRef idx="minor">
+            <a:schemeClr val="tx1"/>
+          </a:fontRef>
+        </p:style>
+      </p:cxnSp>
+      <p:grpSp>
+        <p:nvGrpSpPr>
+          <p:cNvPr id="19" name="Group 18">
+            <a:extLst>
+              <a:ext uri="{FF2B5EF4-FFF2-40B4-BE49-F238E27FC236}">
+                <a16:creationId xmlns:a16="http://schemas.microsoft.com/office/drawing/2014/main" id="{910D2CAB-62F5-317C-26A2-FB9AEED9DC9A}"/>
+              </a:ext>
+            </a:extLst>
+          </p:cNvPr>
+          <p:cNvGrpSpPr/>
+          <p:nvPr/>
+        </p:nvGrpSpPr>
+        <p:grpSpPr>
+          <a:xfrm>
+            <a:off x="3237796" y="1758266"/>
+            <a:ext cx="1376039" cy="630315"/>
+            <a:chOff x="3737499" y="4057095"/>
+            <a:chExt cx="1376039" cy="630315"/>
+          </a:xfrm>
+        </p:grpSpPr>
+        <p:sp>
+          <p:nvSpPr>
+            <p:cNvPr id="5" name="Cube 4">
+              <a:extLst>
+                <a:ext uri="{FF2B5EF4-FFF2-40B4-BE49-F238E27FC236}">
+                  <a16:creationId xmlns:a16="http://schemas.microsoft.com/office/drawing/2014/main" id="{76D4E356-90AB-BA7B-0E56-A42C0BFF6F9A}"/>
+                </a:ext>
+              </a:extLst>
+            </p:cNvPr>
+            <p:cNvSpPr/>
+            <p:nvPr/>
+          </p:nvSpPr>
+          <p:spPr>
+            <a:xfrm>
+              <a:off x="3737499" y="4057095"/>
+              <a:ext cx="1376039" cy="630315"/>
+            </a:xfrm>
+            <a:prstGeom prst="cube">
+              <a:avLst/>
+            </a:prstGeom>
+          </p:spPr>
+          <p:style>
+            <a:lnRef idx="2">
+              <a:schemeClr val="accent1">
+                <a:shade val="15000"/>
+              </a:schemeClr>
+            </a:lnRef>
+            <a:fillRef idx="1">
+              <a:schemeClr val="accent1"/>
+            </a:fillRef>
+            <a:effectRef idx="0">
+              <a:schemeClr val="accent1"/>
+            </a:effectRef>
+            <a:fontRef idx="minor">
+              <a:schemeClr val="lt1"/>
+            </a:fontRef>
+          </p:style>
+          <p:txBody>
+            <a:bodyPr rtlCol="0" anchor="ctr"/>
+            <a:lstStyle/>
+            <a:p>
+              <a:pPr algn="ctr"/>
+              <a:endParaRPr lang="en-SE"/>
+            </a:p>
+          </p:txBody>
+        </p:sp>
+        <p:sp>
+          <p:nvSpPr>
+            <p:cNvPr id="8" name="TextBox 7">
+              <a:extLst>
+                <a:ext uri="{FF2B5EF4-FFF2-40B4-BE49-F238E27FC236}">
+                  <a16:creationId xmlns:a16="http://schemas.microsoft.com/office/drawing/2014/main" id="{DB82ED87-1B24-81DC-442F-160E75E5DF68}"/>
+                </a:ext>
+              </a:extLst>
+            </p:cNvPr>
+            <p:cNvSpPr txBox="1"/>
+            <p:nvPr/>
+          </p:nvSpPr>
+          <p:spPr>
+            <a:xfrm>
+              <a:off x="3955001" y="4296792"/>
+              <a:ext cx="941033" cy="276999"/>
+            </a:xfrm>
+            <a:prstGeom prst="rect">
+              <a:avLst/>
+            </a:prstGeom>
+            <a:noFill/>
+          </p:spPr>
+          <p:txBody>
+            <a:bodyPr wrap="square" rtlCol="0">
+              <a:spAutoFit/>
+            </a:bodyPr>
+            <a:lstStyle/>
+            <a:p>
+              <a:r>
+                <a:rPr lang="en-US" sz="1200" b="1" dirty="0">
+                  <a:solidFill>
+                    <a:schemeClr val="bg1"/>
+                  </a:solidFill>
+                </a:rPr>
+                <a:t>Data Cube</a:t>
+              </a:r>
+              <a:endParaRPr lang="en-SE" sz="1200" b="1" dirty="0">
+                <a:solidFill>
+                  <a:schemeClr val="bg1"/>
+                </a:solidFill>
+              </a:endParaRPr>
+            </a:p>
+          </p:txBody>
+        </p:sp>
+      </p:grpSp>
+      <p:cxnSp>
+        <p:nvCxnSpPr>
+          <p:cNvPr id="32" name="Straight Arrow Connector 31">
+            <a:extLst>
+              <a:ext uri="{FF2B5EF4-FFF2-40B4-BE49-F238E27FC236}">
+                <a16:creationId xmlns:a16="http://schemas.microsoft.com/office/drawing/2014/main" id="{D4B7F9B5-7DE8-716E-0E5E-04A84A53E537}"/>
+              </a:ext>
+            </a:extLst>
+          </p:cNvPr>
+          <p:cNvCxnSpPr>
+            <a:cxnSpLocks/>
+            <a:stCxn id="5" idx="5"/>
+            <a:endCxn id="4" idx="1"/>
+          </p:cNvCxnSpPr>
+          <p:nvPr/>
+        </p:nvCxnSpPr>
+        <p:spPr>
+          <a:xfrm>
+            <a:off x="4613835" y="1994634"/>
+            <a:ext cx="1563168" cy="705038"/>
+          </a:xfrm>
+          <a:prstGeom prst="straightConnector1">
+            <a:avLst/>
+          </a:prstGeom>
+          <a:ln>
+            <a:tailEnd type="triangle"/>
+          </a:ln>
+        </p:spPr>
+        <p:style>
+          <a:lnRef idx="1">
+            <a:schemeClr val="accent1"/>
+          </a:lnRef>
+          <a:fillRef idx="0">
+            <a:schemeClr val="accent1"/>
+          </a:fillRef>
+          <a:effectRef idx="0">
+            <a:schemeClr val="accent1"/>
+          </a:effectRef>
+          <a:fontRef idx="minor">
+            <a:schemeClr val="tx1"/>
+          </a:fontRef>
+        </p:style>
+      </p:cxnSp>
+      <p:cxnSp>
+        <p:nvCxnSpPr>
+          <p:cNvPr id="46" name="Straight Arrow Connector 45">
+            <a:extLst>
+              <a:ext uri="{FF2B5EF4-FFF2-40B4-BE49-F238E27FC236}">
+                <a16:creationId xmlns:a16="http://schemas.microsoft.com/office/drawing/2014/main" id="{F58537A5-FC47-DF48-B9D4-0B063E770E5C}"/>
+              </a:ext>
+            </a:extLst>
+          </p:cNvPr>
+          <p:cNvCxnSpPr>
+            <a:cxnSpLocks/>
+            <a:stCxn id="5" idx="5"/>
+            <a:endCxn id="6" idx="1"/>
+          </p:cNvCxnSpPr>
+          <p:nvPr/>
+        </p:nvCxnSpPr>
+        <p:spPr>
+          <a:xfrm>
+            <a:off x="4613835" y="1994634"/>
+            <a:ext cx="1578375" cy="1180150"/>
+          </a:xfrm>
+          <a:prstGeom prst="straightConnector1">
+            <a:avLst/>
+          </a:prstGeom>
+          <a:ln>
+            <a:tailEnd type="triangle"/>
+          </a:ln>
+        </p:spPr>
+        <p:style>
+          <a:lnRef idx="1">
+            <a:schemeClr val="accent1"/>
+          </a:lnRef>
+          <a:fillRef idx="0">
+            <a:schemeClr val="accent1"/>
+          </a:fillRef>
+          <a:effectRef idx="0">
+            <a:schemeClr val="accent1"/>
+          </a:effectRef>
+          <a:fontRef idx="minor">
+            <a:schemeClr val="tx1"/>
+          </a:fontRef>
+        </p:style>
+      </p:cxnSp>
+      <p:sp>
+        <p:nvSpPr>
+          <p:cNvPr id="49" name="TextBox 48">
+            <a:extLst>
+              <a:ext uri="{FF2B5EF4-FFF2-40B4-BE49-F238E27FC236}">
+                <a16:creationId xmlns:a16="http://schemas.microsoft.com/office/drawing/2014/main" id="{146029CD-B149-1502-7BD1-2BBE6A2C04CD}"/>
+              </a:ext>
+            </a:extLst>
+          </p:cNvPr>
+          <p:cNvSpPr txBox="1"/>
+          <p:nvPr/>
+        </p:nvSpPr>
+        <p:spPr>
+          <a:xfrm>
+            <a:off x="3818690" y="2824321"/>
+            <a:ext cx="1198484" cy="1015663"/>
+          </a:xfrm>
+          <a:prstGeom prst="rect">
+            <a:avLst/>
+          </a:prstGeom>
+          <a:noFill/>
+          <a:ln>
+            <a:noFill/>
+          </a:ln>
+        </p:spPr>
+        <p:txBody>
+          <a:bodyPr wrap="square" rtlCol="0">
+            <a:spAutoFit/>
+          </a:bodyPr>
+          <a:lstStyle/>
+          <a:p>
+            <a:pPr algn="ctr"/>
+            <a:r>
+              <a:rPr lang="en-US" sz="1000" dirty="0"/>
+              <a:t>Stores data aggregated at different levels to help design multiple factor during run-time</a:t>
+            </a:r>
+            <a:endParaRPr lang="en-SE" sz="1000" dirty="0"/>
+          </a:p>
+        </p:txBody>
+      </p:sp>
+      <p:graphicFrame>
+        <p:nvGraphicFramePr>
+          <p:cNvPr id="50" name="Table 49">
+            <a:extLst>
+              <a:ext uri="{FF2B5EF4-FFF2-40B4-BE49-F238E27FC236}">
+                <a16:creationId xmlns:a16="http://schemas.microsoft.com/office/drawing/2014/main" id="{999D891A-1992-C2CE-C447-0C887C185500}"/>
+              </a:ext>
+            </a:extLst>
+          </p:cNvPr>
+          <p:cNvGraphicFramePr>
+            <a:graphicFrameLocks noGrp="1"/>
+          </p:cNvGraphicFramePr>
+          <p:nvPr/>
+        </p:nvGraphicFramePr>
+        <p:xfrm>
+          <a:off x="625875" y="3951453"/>
+          <a:ext cx="4514124" cy="883920"/>
+        </p:xfrm>
+        <a:graphic>
+          <a:graphicData uri="http://schemas.openxmlformats.org/drawingml/2006/table">
+            <a:tbl>
+              <a:tblPr firstRow="1" bandRow="1">
+                <a:tableStyleId>{5C22544A-7EE6-4342-B048-85BDC9FD1C3A}</a:tableStyleId>
+              </a:tblPr>
+              <a:tblGrid>
+                <a:gridCol w="490855">
+                  <a:extLst>
+                    <a:ext uri="{9D8B030D-6E8A-4147-A177-3AD203B41FA5}">
+                      <a16:colId xmlns:a16="http://schemas.microsoft.com/office/drawing/2014/main" val="636071209"/>
+                    </a:ext>
+                  </a:extLst>
+                </a:gridCol>
+                <a:gridCol w="413078">
+                  <a:extLst>
+                    <a:ext uri="{9D8B030D-6E8A-4147-A177-3AD203B41FA5}">
+                      <a16:colId xmlns:a16="http://schemas.microsoft.com/office/drawing/2014/main" val="1938421867"/>
+                    </a:ext>
+                  </a:extLst>
+                </a:gridCol>
+                <a:gridCol w="766151">
+                  <a:extLst>
+                    <a:ext uri="{9D8B030D-6E8A-4147-A177-3AD203B41FA5}">
+                      <a16:colId xmlns:a16="http://schemas.microsoft.com/office/drawing/2014/main" val="2195599867"/>
+                    </a:ext>
+                  </a:extLst>
+                </a:gridCol>
+                <a:gridCol w="728980">
+                  <a:extLst>
+                    <a:ext uri="{9D8B030D-6E8A-4147-A177-3AD203B41FA5}">
+                      <a16:colId xmlns:a16="http://schemas.microsoft.com/office/drawing/2014/main" val="550792875"/>
+                    </a:ext>
+                  </a:extLst>
+                </a:gridCol>
+                <a:gridCol w="751205">
+                  <a:extLst>
+                    <a:ext uri="{9D8B030D-6E8A-4147-A177-3AD203B41FA5}">
+                      <a16:colId xmlns:a16="http://schemas.microsoft.com/office/drawing/2014/main" val="1534992660"/>
+                    </a:ext>
+                  </a:extLst>
+                </a:gridCol>
+                <a:gridCol w="692468">
+                  <a:extLst>
+                    <a:ext uri="{9D8B030D-6E8A-4147-A177-3AD203B41FA5}">
+                      <a16:colId xmlns:a16="http://schemas.microsoft.com/office/drawing/2014/main" val="2162848958"/>
+                    </a:ext>
+                  </a:extLst>
+                </a:gridCol>
+                <a:gridCol w="671387">
+                  <a:extLst>
+                    <a:ext uri="{9D8B030D-6E8A-4147-A177-3AD203B41FA5}">
+                      <a16:colId xmlns:a16="http://schemas.microsoft.com/office/drawing/2014/main" val="1527330756"/>
+                    </a:ext>
+                  </a:extLst>
+                </a:gridCol>
+              </a:tblGrid>
+              <a:tr h="256404">
+                <a:tc>
+                  <a:txBody>
+                    <a:bodyPr/>
+                    <a:lstStyle/>
+                    <a:p>
+                      <a:r>
+                        <a:rPr lang="en-US" sz="800" dirty="0"/>
+                        <a:t>Month</a:t>
+                      </a:r>
+                      <a:endParaRPr lang="en-SE" sz="800" dirty="0"/>
+                    </a:p>
+                  </a:txBody>
+                  <a:tcPr/>
+                </a:tc>
+                <a:tc>
+                  <a:txBody>
+                    <a:bodyPr/>
+                    <a:lstStyle/>
+                    <a:p>
+                      <a:r>
+                        <a:rPr lang="en-US" sz="800" dirty="0"/>
+                        <a:t>Year</a:t>
+                      </a:r>
+                      <a:endParaRPr lang="en-SE" sz="800" dirty="0"/>
+                    </a:p>
+                  </a:txBody>
+                  <a:tcPr/>
+                </a:tc>
+                <a:tc>
+                  <a:txBody>
+                    <a:bodyPr/>
+                    <a:lstStyle/>
+                    <a:p>
+                      <a:r>
+                        <a:rPr lang="en-US" sz="800" dirty="0"/>
+                        <a:t>Municipality</a:t>
+                      </a:r>
+                      <a:endParaRPr lang="en-SE" sz="800" dirty="0"/>
+                    </a:p>
+                  </a:txBody>
+                  <a:tcPr/>
+                </a:tc>
+                <a:tc>
+                  <a:txBody>
+                    <a:bodyPr/>
+                    <a:lstStyle/>
+                    <a:p>
+                      <a:r>
+                        <a:rPr lang="en-US" sz="800" dirty="0"/>
+                        <a:t>Dimension 1</a:t>
+                      </a:r>
+                      <a:endParaRPr lang="en-SE" sz="800" dirty="0"/>
+                    </a:p>
+                  </a:txBody>
+                  <a:tcPr/>
+                </a:tc>
+                <a:tc>
+                  <a:txBody>
+                    <a:bodyPr/>
+                    <a:lstStyle/>
+                    <a:p>
+                      <a:pPr marL="0" marR="0" lvl="0" indent="0" algn="l" defTabSz="914400" rtl="0" eaLnBrk="1" fontAlgn="auto" latinLnBrk="0" hangingPunct="1">
+                        <a:lnSpc>
+                          <a:spcPct val="100000"/>
+                        </a:lnSpc>
+                        <a:spcBef>
+                          <a:spcPts val="0"/>
+                        </a:spcBef>
+                        <a:spcAft>
+                          <a:spcPts val="0"/>
+                        </a:spcAft>
+                        <a:buClrTx/>
+                        <a:buSzTx/>
+                        <a:buFontTx/>
+                        <a:buNone/>
+                        <a:tabLst/>
+                        <a:defRPr/>
+                      </a:pPr>
+                      <a:r>
+                        <a:rPr lang="en-US" sz="800" dirty="0"/>
+                        <a:t>Dimension 2 </a:t>
+                      </a:r>
+                    </a:p>
+                    <a:p>
+                      <a:pPr marL="0" marR="0" lvl="0" indent="0" algn="l" defTabSz="914400" rtl="0" eaLnBrk="1" fontAlgn="auto" latinLnBrk="0" hangingPunct="1">
+                        <a:lnSpc>
+                          <a:spcPct val="100000"/>
+                        </a:lnSpc>
+                        <a:spcBef>
+                          <a:spcPts val="0"/>
+                        </a:spcBef>
+                        <a:spcAft>
+                          <a:spcPts val="0"/>
+                        </a:spcAft>
+                        <a:buClrTx/>
+                        <a:buSzTx/>
+                        <a:buFontTx/>
+                        <a:buNone/>
+                        <a:tabLst/>
+                        <a:defRPr/>
+                      </a:pPr>
+                      <a:r>
+                        <a:rPr lang="en-US" sz="800" dirty="0"/>
+                        <a:t>….</a:t>
+                      </a:r>
+                      <a:endParaRPr lang="en-SE" sz="800" dirty="0"/>
+                    </a:p>
+                    <a:p>
+                      <a:endParaRPr lang="en-SE" sz="800" dirty="0"/>
+                    </a:p>
+                  </a:txBody>
+                  <a:tcPr/>
+                </a:tc>
+                <a:tc>
+                  <a:txBody>
+                    <a:bodyPr/>
+                    <a:lstStyle/>
+                    <a:p>
+                      <a:pPr marL="0" marR="0" lvl="0" indent="0" algn="l" defTabSz="914400" rtl="0" eaLnBrk="1" fontAlgn="auto" latinLnBrk="0" hangingPunct="1">
+                        <a:lnSpc>
+                          <a:spcPct val="100000"/>
+                        </a:lnSpc>
+                        <a:spcBef>
+                          <a:spcPts val="0"/>
+                        </a:spcBef>
+                        <a:spcAft>
+                          <a:spcPts val="0"/>
+                        </a:spcAft>
+                        <a:buClrTx/>
+                        <a:buSzTx/>
+                        <a:buFontTx/>
+                        <a:buNone/>
+                        <a:tabLst/>
+                        <a:defRPr/>
+                      </a:pPr>
+                      <a:r>
+                        <a:rPr lang="en-US" sz="800" dirty="0"/>
+                        <a:t>Measures 1</a:t>
+                      </a:r>
+                      <a:endParaRPr lang="en-SE" sz="800" dirty="0"/>
+                    </a:p>
+                  </a:txBody>
+                  <a:tcPr/>
+                </a:tc>
+                <a:tc>
+                  <a:txBody>
+                    <a:bodyPr/>
+                    <a:lstStyle/>
+                    <a:p>
+                      <a:pPr marL="0" marR="0" lvl="0" indent="0" algn="l" defTabSz="914400" rtl="0" eaLnBrk="1" fontAlgn="auto" latinLnBrk="0" hangingPunct="1">
+                        <a:lnSpc>
+                          <a:spcPct val="100000"/>
+                        </a:lnSpc>
+                        <a:spcBef>
+                          <a:spcPts val="0"/>
+                        </a:spcBef>
+                        <a:spcAft>
+                          <a:spcPts val="0"/>
+                        </a:spcAft>
+                        <a:buClrTx/>
+                        <a:buSzTx/>
+                        <a:buFontTx/>
+                        <a:buNone/>
+                        <a:tabLst/>
+                        <a:defRPr/>
+                      </a:pPr>
+                      <a:r>
+                        <a:rPr lang="en-US" sz="800" dirty="0"/>
+                        <a:t>Measures 2</a:t>
+                      </a:r>
+                    </a:p>
+                    <a:p>
+                      <a:pPr marL="0" marR="0" lvl="0" indent="0" algn="l" defTabSz="914400" rtl="0" eaLnBrk="1" fontAlgn="auto" latinLnBrk="0" hangingPunct="1">
+                        <a:lnSpc>
+                          <a:spcPct val="100000"/>
+                        </a:lnSpc>
+                        <a:spcBef>
+                          <a:spcPts val="0"/>
+                        </a:spcBef>
+                        <a:spcAft>
+                          <a:spcPts val="0"/>
+                        </a:spcAft>
+                        <a:buClrTx/>
+                        <a:buSzTx/>
+                        <a:buFontTx/>
+                        <a:buNone/>
+                        <a:tabLst/>
+                        <a:defRPr/>
+                      </a:pPr>
+                      <a:r>
+                        <a:rPr lang="en-US" sz="800" dirty="0"/>
+                        <a:t>….</a:t>
+                      </a:r>
+                      <a:endParaRPr lang="en-SE" sz="800" dirty="0"/>
+                    </a:p>
+                    <a:p>
+                      <a:endParaRPr lang="en-SE" sz="800" dirty="0"/>
+                    </a:p>
+                  </a:txBody>
+                  <a:tcPr/>
+                </a:tc>
+                <a:extLst>
+                  <a:ext uri="{0D108BD9-81ED-4DB2-BD59-A6C34878D82A}">
+                    <a16:rowId xmlns:a16="http://schemas.microsoft.com/office/drawing/2014/main" val="3737144509"/>
+                  </a:ext>
+                </a:extLst>
+              </a:tr>
+              <a:tr h="186956">
+                <a:tc>
+                  <a:txBody>
+                    <a:bodyPr/>
+                    <a:lstStyle/>
+                    <a:p>
+                      <a:r>
+                        <a:rPr lang="en-US" sz="800" dirty="0"/>
+                        <a:t>Int</a:t>
+                      </a:r>
+                      <a:endParaRPr lang="en-SE" sz="800" dirty="0"/>
+                    </a:p>
+                  </a:txBody>
+                  <a:tcPr/>
+                </a:tc>
+                <a:tc>
+                  <a:txBody>
+                    <a:bodyPr/>
+                    <a:lstStyle/>
+                    <a:p>
+                      <a:r>
+                        <a:rPr lang="en-US" sz="800" dirty="0"/>
+                        <a:t>Int</a:t>
+                      </a:r>
+                      <a:endParaRPr lang="en-SE" sz="800" dirty="0"/>
+                    </a:p>
+                  </a:txBody>
+                  <a:tcPr/>
+                </a:tc>
+                <a:tc>
+                  <a:txBody>
+                    <a:bodyPr/>
+                    <a:lstStyle/>
+                    <a:p>
+                      <a:r>
+                        <a:rPr lang="en-US" sz="800" dirty="0"/>
+                        <a:t>String</a:t>
+                      </a:r>
+                      <a:endParaRPr lang="en-SE" sz="800" dirty="0"/>
+                    </a:p>
+                  </a:txBody>
+                  <a:tcPr/>
+                </a:tc>
+                <a:tc>
+                  <a:txBody>
+                    <a:bodyPr/>
+                    <a:lstStyle/>
+                    <a:p>
+                      <a:r>
+                        <a:rPr lang="en-US" sz="800" dirty="0"/>
+                        <a:t>String</a:t>
+                      </a:r>
+                      <a:endParaRPr lang="en-SE" sz="800" dirty="0"/>
+                    </a:p>
+                  </a:txBody>
+                  <a:tcPr/>
+                </a:tc>
+                <a:tc>
+                  <a:txBody>
+                    <a:bodyPr/>
+                    <a:lstStyle/>
+                    <a:p>
+                      <a:r>
+                        <a:rPr lang="en-US" sz="800" dirty="0"/>
+                        <a:t>String</a:t>
+                      </a:r>
+                      <a:endParaRPr lang="en-SE" sz="800" dirty="0"/>
+                    </a:p>
+                  </a:txBody>
+                  <a:tcPr/>
+                </a:tc>
+                <a:tc>
+                  <a:txBody>
+                    <a:bodyPr/>
+                    <a:lstStyle/>
+                    <a:p>
+                      <a:r>
+                        <a:rPr lang="en-US" sz="800" dirty="0"/>
+                        <a:t>Long/float</a:t>
+                      </a:r>
+                      <a:endParaRPr lang="en-SE" sz="800" dirty="0"/>
+                    </a:p>
+                  </a:txBody>
+                  <a:tcPr/>
+                </a:tc>
+                <a:tc>
+                  <a:txBody>
+                    <a:bodyPr/>
+                    <a:lstStyle/>
+                    <a:p>
+                      <a:pPr marL="0" marR="0" lvl="0" indent="0" algn="l" defTabSz="914400" rtl="0" eaLnBrk="1" fontAlgn="auto" latinLnBrk="0" hangingPunct="1">
+                        <a:lnSpc>
+                          <a:spcPct val="100000"/>
+                        </a:lnSpc>
+                        <a:spcBef>
+                          <a:spcPts val="0"/>
+                        </a:spcBef>
+                        <a:spcAft>
+                          <a:spcPts val="0"/>
+                        </a:spcAft>
+                        <a:buClrTx/>
+                        <a:buSzTx/>
+                        <a:buFontTx/>
+                        <a:buNone/>
+                        <a:tabLst/>
+                        <a:defRPr/>
+                      </a:pPr>
+                      <a:r>
+                        <a:rPr lang="en-US" sz="800" dirty="0"/>
+                        <a:t>Long/float</a:t>
+                      </a:r>
+                      <a:endParaRPr lang="en-SE" sz="800" dirty="0"/>
+                    </a:p>
+                  </a:txBody>
+                  <a:tcPr/>
+                </a:tc>
+                <a:extLst>
+                  <a:ext uri="{0D108BD9-81ED-4DB2-BD59-A6C34878D82A}">
+                    <a16:rowId xmlns:a16="http://schemas.microsoft.com/office/drawing/2014/main" val="1228389643"/>
+                  </a:ext>
+                </a:extLst>
+              </a:tr>
+              <a:tr h="186956">
+                <a:tc>
+                  <a:txBody>
+                    <a:bodyPr/>
+                    <a:lstStyle/>
+                    <a:p>
+                      <a:endParaRPr lang="en-SE" sz="800"/>
+                    </a:p>
+                  </a:txBody>
+                  <a:tcPr/>
+                </a:tc>
+                <a:tc>
+                  <a:txBody>
+                    <a:bodyPr/>
+                    <a:lstStyle/>
+                    <a:p>
+                      <a:endParaRPr lang="en-SE" sz="800"/>
+                    </a:p>
+                  </a:txBody>
+                  <a:tcPr/>
+                </a:tc>
+                <a:tc>
+                  <a:txBody>
+                    <a:bodyPr/>
+                    <a:lstStyle/>
+                    <a:p>
+                      <a:endParaRPr lang="en-SE" sz="800"/>
+                    </a:p>
+                  </a:txBody>
+                  <a:tcPr/>
+                </a:tc>
+                <a:tc>
+                  <a:txBody>
+                    <a:bodyPr/>
+                    <a:lstStyle/>
+                    <a:p>
+                      <a:endParaRPr lang="en-SE" sz="800"/>
+                    </a:p>
+                  </a:txBody>
+                  <a:tcPr/>
+                </a:tc>
+                <a:tc>
+                  <a:txBody>
+                    <a:bodyPr/>
+                    <a:lstStyle/>
+                    <a:p>
+                      <a:endParaRPr lang="en-SE" sz="800" dirty="0"/>
+                    </a:p>
+                  </a:txBody>
+                  <a:tcPr/>
+                </a:tc>
+                <a:tc>
+                  <a:txBody>
+                    <a:bodyPr/>
+                    <a:lstStyle/>
+                    <a:p>
+                      <a:endParaRPr lang="en-SE" sz="800" dirty="0"/>
+                    </a:p>
+                  </a:txBody>
+                  <a:tcPr/>
+                </a:tc>
+                <a:tc>
+                  <a:txBody>
+                    <a:bodyPr/>
+                    <a:lstStyle/>
+                    <a:p>
+                      <a:endParaRPr lang="en-SE" sz="800" dirty="0"/>
+                    </a:p>
+                  </a:txBody>
+                  <a:tcPr/>
+                </a:tc>
+                <a:extLst>
+                  <a:ext uri="{0D108BD9-81ED-4DB2-BD59-A6C34878D82A}">
+                    <a16:rowId xmlns:a16="http://schemas.microsoft.com/office/drawing/2014/main" val="2055317672"/>
+                  </a:ext>
+                </a:extLst>
+              </a:tr>
+            </a:tbl>
+          </a:graphicData>
+        </a:graphic>
+      </p:graphicFrame>
+      <p:graphicFrame>
+        <p:nvGraphicFramePr>
+          <p:cNvPr id="51" name="Table 50">
+            <a:extLst>
+              <a:ext uri="{FF2B5EF4-FFF2-40B4-BE49-F238E27FC236}">
+                <a16:creationId xmlns:a16="http://schemas.microsoft.com/office/drawing/2014/main" id="{D76E805E-0C50-353E-39A0-5808A6A99614}"/>
+              </a:ext>
+            </a:extLst>
+          </p:cNvPr>
+          <p:cNvGraphicFramePr>
+            <a:graphicFrameLocks noGrp="1"/>
+          </p:cNvGraphicFramePr>
+          <p:nvPr/>
+        </p:nvGraphicFramePr>
+        <p:xfrm>
+          <a:off x="201357" y="4909396"/>
+          <a:ext cx="2996768" cy="883920"/>
+        </p:xfrm>
+        <a:graphic>
+          <a:graphicData uri="http://schemas.openxmlformats.org/drawingml/2006/table">
+            <a:tbl>
+              <a:tblPr firstRow="1" bandRow="1">
+                <a:tableStyleId>{5C22544A-7EE6-4342-B048-85BDC9FD1C3A}</a:tableStyleId>
+              </a:tblPr>
+              <a:tblGrid>
+                <a:gridCol w="490855">
+                  <a:extLst>
+                    <a:ext uri="{9D8B030D-6E8A-4147-A177-3AD203B41FA5}">
+                      <a16:colId xmlns:a16="http://schemas.microsoft.com/office/drawing/2014/main" val="636071209"/>
+                    </a:ext>
+                  </a:extLst>
+                </a:gridCol>
+                <a:gridCol w="413078">
+                  <a:extLst>
+                    <a:ext uri="{9D8B030D-6E8A-4147-A177-3AD203B41FA5}">
+                      <a16:colId xmlns:a16="http://schemas.microsoft.com/office/drawing/2014/main" val="1938421867"/>
+                    </a:ext>
+                  </a:extLst>
+                </a:gridCol>
+                <a:gridCol w="728980">
+                  <a:extLst>
+                    <a:ext uri="{9D8B030D-6E8A-4147-A177-3AD203B41FA5}">
+                      <a16:colId xmlns:a16="http://schemas.microsoft.com/office/drawing/2014/main" val="550792875"/>
+                    </a:ext>
+                  </a:extLst>
+                </a:gridCol>
+                <a:gridCol w="692468">
+                  <a:extLst>
+                    <a:ext uri="{9D8B030D-6E8A-4147-A177-3AD203B41FA5}">
+                      <a16:colId xmlns:a16="http://schemas.microsoft.com/office/drawing/2014/main" val="2162848958"/>
+                    </a:ext>
+                  </a:extLst>
+                </a:gridCol>
+                <a:gridCol w="671387">
+                  <a:extLst>
+                    <a:ext uri="{9D8B030D-6E8A-4147-A177-3AD203B41FA5}">
+                      <a16:colId xmlns:a16="http://schemas.microsoft.com/office/drawing/2014/main" val="1527330756"/>
+                    </a:ext>
+                  </a:extLst>
+                </a:gridCol>
+              </a:tblGrid>
+              <a:tr h="256404">
+                <a:tc>
+                  <a:txBody>
+                    <a:bodyPr/>
+                    <a:lstStyle/>
+                    <a:p>
+                      <a:r>
+                        <a:rPr lang="en-US" sz="800" dirty="0"/>
+                        <a:t>Month</a:t>
+                      </a:r>
+                      <a:endParaRPr lang="en-SE" sz="800" dirty="0"/>
+                    </a:p>
+                  </a:txBody>
+                  <a:tcPr/>
+                </a:tc>
+                <a:tc>
+                  <a:txBody>
+                    <a:bodyPr/>
+                    <a:lstStyle/>
+                    <a:p>
+                      <a:r>
+                        <a:rPr lang="en-US" sz="800" dirty="0"/>
+                        <a:t>Year</a:t>
+                      </a:r>
+                      <a:endParaRPr lang="en-SE" sz="800" dirty="0"/>
+                    </a:p>
+                  </a:txBody>
+                  <a:tcPr/>
+                </a:tc>
+                <a:tc>
+                  <a:txBody>
+                    <a:bodyPr/>
+                    <a:lstStyle/>
+                    <a:p>
+                      <a:r>
+                        <a:rPr lang="en-US" sz="800" dirty="0"/>
+                        <a:t>Dimension 1</a:t>
+                      </a:r>
+                      <a:endParaRPr lang="en-SE" sz="800" dirty="0"/>
+                    </a:p>
+                  </a:txBody>
+                  <a:tcPr/>
+                </a:tc>
+                <a:tc>
+                  <a:txBody>
+                    <a:bodyPr/>
+                    <a:lstStyle/>
+                    <a:p>
+                      <a:pPr marL="0" marR="0" lvl="0" indent="0" algn="l" defTabSz="914400" rtl="0" eaLnBrk="1" fontAlgn="auto" latinLnBrk="0" hangingPunct="1">
+                        <a:lnSpc>
+                          <a:spcPct val="100000"/>
+                        </a:lnSpc>
+                        <a:spcBef>
+                          <a:spcPts val="0"/>
+                        </a:spcBef>
+                        <a:spcAft>
+                          <a:spcPts val="0"/>
+                        </a:spcAft>
+                        <a:buClrTx/>
+                        <a:buSzTx/>
+                        <a:buFontTx/>
+                        <a:buNone/>
+                        <a:tabLst/>
+                        <a:defRPr/>
+                      </a:pPr>
+                      <a:r>
+                        <a:rPr lang="en-US" sz="800" dirty="0"/>
+                        <a:t>Measures 1</a:t>
+                      </a:r>
+                      <a:endParaRPr lang="en-SE" sz="800" dirty="0"/>
+                    </a:p>
+                  </a:txBody>
+                  <a:tcPr/>
+                </a:tc>
+                <a:tc>
+                  <a:txBody>
+                    <a:bodyPr/>
+                    <a:lstStyle/>
+                    <a:p>
+                      <a:pPr marL="0" marR="0" lvl="0" indent="0" algn="l" defTabSz="914400" rtl="0" eaLnBrk="1" fontAlgn="auto" latinLnBrk="0" hangingPunct="1">
+                        <a:lnSpc>
+                          <a:spcPct val="100000"/>
+                        </a:lnSpc>
+                        <a:spcBef>
+                          <a:spcPts val="0"/>
+                        </a:spcBef>
+                        <a:spcAft>
+                          <a:spcPts val="0"/>
+                        </a:spcAft>
+                        <a:buClrTx/>
+                        <a:buSzTx/>
+                        <a:buFontTx/>
+                        <a:buNone/>
+                        <a:tabLst/>
+                        <a:defRPr/>
+                      </a:pPr>
+                      <a:r>
+                        <a:rPr lang="en-US" sz="800" dirty="0"/>
+                        <a:t>Measures 2</a:t>
+                      </a:r>
+                    </a:p>
+                    <a:p>
+                      <a:pPr marL="0" marR="0" lvl="0" indent="0" algn="l" defTabSz="914400" rtl="0" eaLnBrk="1" fontAlgn="auto" latinLnBrk="0" hangingPunct="1">
+                        <a:lnSpc>
+                          <a:spcPct val="100000"/>
+                        </a:lnSpc>
+                        <a:spcBef>
+                          <a:spcPts val="0"/>
+                        </a:spcBef>
+                        <a:spcAft>
+                          <a:spcPts val="0"/>
+                        </a:spcAft>
+                        <a:buClrTx/>
+                        <a:buSzTx/>
+                        <a:buFontTx/>
+                        <a:buNone/>
+                        <a:tabLst/>
+                        <a:defRPr/>
+                      </a:pPr>
+                      <a:r>
+                        <a:rPr lang="en-US" sz="800" dirty="0"/>
+                        <a:t>….</a:t>
+                      </a:r>
+                      <a:endParaRPr lang="en-SE" sz="800" dirty="0"/>
+                    </a:p>
+                    <a:p>
+                      <a:endParaRPr lang="en-SE" sz="800" dirty="0"/>
+                    </a:p>
+                  </a:txBody>
+                  <a:tcPr/>
+                </a:tc>
+                <a:extLst>
+                  <a:ext uri="{0D108BD9-81ED-4DB2-BD59-A6C34878D82A}">
+                    <a16:rowId xmlns:a16="http://schemas.microsoft.com/office/drawing/2014/main" val="3737144509"/>
+                  </a:ext>
+                </a:extLst>
+              </a:tr>
+              <a:tr h="186956">
+                <a:tc>
+                  <a:txBody>
+                    <a:bodyPr/>
+                    <a:lstStyle/>
+                    <a:p>
+                      <a:r>
+                        <a:rPr kumimoji="0" lang="en-US" sz="800" b="0" i="0" u="none" strike="noStrike" kern="1200" cap="none" spc="0" normalizeH="0" baseline="0" noProof="0">
+                          <a:ln>
+                            <a:noFill/>
+                          </a:ln>
+                          <a:solidFill>
+                            <a:prstClr val="black"/>
+                          </a:solidFill>
+                          <a:effectLst/>
+                          <a:uLnTx/>
+                          <a:uFillTx/>
+                          <a:latin typeface="Calibri" panose="020F0502020204030204"/>
+                          <a:ea typeface="+mn-ea"/>
+                          <a:cs typeface="+mn-cs"/>
+                        </a:rPr>
+                        <a:t>Int</a:t>
+                      </a:r>
+                      <a:endParaRPr lang="en-SE" sz="800" dirty="0"/>
+                    </a:p>
+                  </a:txBody>
+                  <a:tcPr/>
+                </a:tc>
+                <a:tc>
+                  <a:txBody>
+                    <a:bodyPr/>
+                    <a:lstStyle/>
+                    <a:p>
+                      <a:r>
+                        <a:rPr kumimoji="0" lang="en-US" sz="800" b="0" i="0" u="none" strike="noStrike" kern="1200" cap="none" spc="0" normalizeH="0" baseline="0" noProof="0" dirty="0">
+                          <a:ln>
+                            <a:noFill/>
+                          </a:ln>
+                          <a:solidFill>
+                            <a:prstClr val="black"/>
+                          </a:solidFill>
+                          <a:effectLst/>
+                          <a:uLnTx/>
+                          <a:uFillTx/>
+                          <a:latin typeface="Calibri" panose="020F0502020204030204"/>
+                          <a:ea typeface="+mn-ea"/>
+                          <a:cs typeface="+mn-cs"/>
+                        </a:rPr>
+                        <a:t>Int</a:t>
+                      </a:r>
+                      <a:endParaRPr lang="en-SE" sz="800" dirty="0"/>
+                    </a:p>
+                  </a:txBody>
+                  <a:tcPr/>
+                </a:tc>
+                <a:tc>
+                  <a:txBody>
+                    <a:bodyPr/>
+                    <a:lstStyle/>
+                    <a:p>
+                      <a:r>
+                        <a:rPr lang="en-US" sz="800" dirty="0"/>
+                        <a:t>String</a:t>
+                      </a:r>
+                      <a:endParaRPr lang="en-SE" sz="800" dirty="0"/>
+                    </a:p>
+                  </a:txBody>
+                  <a:tcPr/>
+                </a:tc>
+                <a:tc>
+                  <a:txBody>
+                    <a:bodyPr/>
+                    <a:lstStyle/>
+                    <a:p>
+                      <a:r>
+                        <a:rPr lang="en-US" sz="800" dirty="0"/>
+                        <a:t>Long/float</a:t>
+                      </a:r>
+                      <a:endParaRPr lang="en-SE" sz="800" dirty="0"/>
+                    </a:p>
+                  </a:txBody>
+                  <a:tcPr/>
+                </a:tc>
+                <a:tc>
+                  <a:txBody>
+                    <a:bodyPr/>
+                    <a:lstStyle/>
+                    <a:p>
+                      <a:pPr marL="0" marR="0" lvl="0" indent="0" algn="l" defTabSz="914400" rtl="0" eaLnBrk="1" fontAlgn="auto" latinLnBrk="0" hangingPunct="1">
+                        <a:lnSpc>
+                          <a:spcPct val="100000"/>
+                        </a:lnSpc>
+                        <a:spcBef>
+                          <a:spcPts val="0"/>
+                        </a:spcBef>
+                        <a:spcAft>
+                          <a:spcPts val="0"/>
+                        </a:spcAft>
+                        <a:buClrTx/>
+                        <a:buSzTx/>
+                        <a:buFontTx/>
+                        <a:buNone/>
+                        <a:tabLst/>
+                        <a:defRPr/>
+                      </a:pPr>
+                      <a:r>
+                        <a:rPr lang="en-US" sz="800" dirty="0"/>
+                        <a:t>Long/float</a:t>
+                      </a:r>
+                      <a:endParaRPr lang="en-SE" sz="800" dirty="0"/>
+                    </a:p>
+                  </a:txBody>
+                  <a:tcPr/>
+                </a:tc>
+                <a:extLst>
+                  <a:ext uri="{0D108BD9-81ED-4DB2-BD59-A6C34878D82A}">
+                    <a16:rowId xmlns:a16="http://schemas.microsoft.com/office/drawing/2014/main" val="1228389643"/>
+                  </a:ext>
+                </a:extLst>
+              </a:tr>
+              <a:tr h="186956">
+                <a:tc>
+                  <a:txBody>
+                    <a:bodyPr/>
+                    <a:lstStyle/>
+                    <a:p>
+                      <a:endParaRPr lang="en-SE" sz="800"/>
+                    </a:p>
+                  </a:txBody>
+                  <a:tcPr/>
+                </a:tc>
+                <a:tc>
+                  <a:txBody>
+                    <a:bodyPr/>
+                    <a:lstStyle/>
+                    <a:p>
+                      <a:endParaRPr lang="en-SE" sz="800"/>
+                    </a:p>
+                  </a:txBody>
+                  <a:tcPr/>
+                </a:tc>
+                <a:tc>
+                  <a:txBody>
+                    <a:bodyPr/>
+                    <a:lstStyle/>
+                    <a:p>
+                      <a:endParaRPr lang="en-SE" sz="800" dirty="0"/>
+                    </a:p>
+                  </a:txBody>
+                  <a:tcPr/>
+                </a:tc>
+                <a:tc>
+                  <a:txBody>
+                    <a:bodyPr/>
+                    <a:lstStyle/>
+                    <a:p>
+                      <a:endParaRPr lang="en-SE" sz="800" dirty="0"/>
+                    </a:p>
+                  </a:txBody>
+                  <a:tcPr/>
+                </a:tc>
+                <a:tc>
+                  <a:txBody>
+                    <a:bodyPr/>
+                    <a:lstStyle/>
+                    <a:p>
+                      <a:endParaRPr lang="en-SE" sz="800" dirty="0"/>
+                    </a:p>
+                  </a:txBody>
+                  <a:tcPr/>
+                </a:tc>
+                <a:extLst>
+                  <a:ext uri="{0D108BD9-81ED-4DB2-BD59-A6C34878D82A}">
+                    <a16:rowId xmlns:a16="http://schemas.microsoft.com/office/drawing/2014/main" val="2055317672"/>
+                  </a:ext>
+                </a:extLst>
+              </a:tr>
+            </a:tbl>
+          </a:graphicData>
+        </a:graphic>
+      </p:graphicFrame>
+      <p:graphicFrame>
+        <p:nvGraphicFramePr>
+          <p:cNvPr id="52" name="Table 51">
+            <a:extLst>
+              <a:ext uri="{FF2B5EF4-FFF2-40B4-BE49-F238E27FC236}">
+                <a16:creationId xmlns:a16="http://schemas.microsoft.com/office/drawing/2014/main" id="{836687EE-F94D-4A21-118F-A59A7D5A7FD5}"/>
+              </a:ext>
+            </a:extLst>
+          </p:cNvPr>
+          <p:cNvGraphicFramePr>
+            <a:graphicFrameLocks noGrp="1"/>
+          </p:cNvGraphicFramePr>
+          <p:nvPr/>
+        </p:nvGraphicFramePr>
+        <p:xfrm>
+          <a:off x="1001477" y="5633353"/>
+          <a:ext cx="3762919" cy="883920"/>
+        </p:xfrm>
+        <a:graphic>
+          <a:graphicData uri="http://schemas.openxmlformats.org/drawingml/2006/table">
+            <a:tbl>
+              <a:tblPr firstRow="1" bandRow="1">
+                <a:tableStyleId>{5C22544A-7EE6-4342-B048-85BDC9FD1C3A}</a:tableStyleId>
+              </a:tblPr>
+              <a:tblGrid>
+                <a:gridCol w="490855">
+                  <a:extLst>
+                    <a:ext uri="{9D8B030D-6E8A-4147-A177-3AD203B41FA5}">
+                      <a16:colId xmlns:a16="http://schemas.microsoft.com/office/drawing/2014/main" val="636071209"/>
+                    </a:ext>
+                  </a:extLst>
+                </a:gridCol>
+                <a:gridCol w="413078">
+                  <a:extLst>
+                    <a:ext uri="{9D8B030D-6E8A-4147-A177-3AD203B41FA5}">
+                      <a16:colId xmlns:a16="http://schemas.microsoft.com/office/drawing/2014/main" val="1938421867"/>
+                    </a:ext>
+                  </a:extLst>
+                </a:gridCol>
+                <a:gridCol w="766151">
+                  <a:extLst>
+                    <a:ext uri="{9D8B030D-6E8A-4147-A177-3AD203B41FA5}">
+                      <a16:colId xmlns:a16="http://schemas.microsoft.com/office/drawing/2014/main" val="2195599867"/>
+                    </a:ext>
+                  </a:extLst>
+                </a:gridCol>
+                <a:gridCol w="728980">
+                  <a:extLst>
+                    <a:ext uri="{9D8B030D-6E8A-4147-A177-3AD203B41FA5}">
+                      <a16:colId xmlns:a16="http://schemas.microsoft.com/office/drawing/2014/main" val="550792875"/>
+                    </a:ext>
+                  </a:extLst>
+                </a:gridCol>
+                <a:gridCol w="692468">
+                  <a:extLst>
+                    <a:ext uri="{9D8B030D-6E8A-4147-A177-3AD203B41FA5}">
+                      <a16:colId xmlns:a16="http://schemas.microsoft.com/office/drawing/2014/main" val="2162848958"/>
+                    </a:ext>
+                  </a:extLst>
+                </a:gridCol>
+                <a:gridCol w="671387">
+                  <a:extLst>
+                    <a:ext uri="{9D8B030D-6E8A-4147-A177-3AD203B41FA5}">
+                      <a16:colId xmlns:a16="http://schemas.microsoft.com/office/drawing/2014/main" val="1527330756"/>
+                    </a:ext>
+                  </a:extLst>
+                </a:gridCol>
+              </a:tblGrid>
+              <a:tr h="312860">
+                <a:tc>
+                  <a:txBody>
+                    <a:bodyPr/>
+                    <a:lstStyle/>
+                    <a:p>
+                      <a:r>
+                        <a:rPr lang="en-US" sz="800" dirty="0"/>
+                        <a:t>Month</a:t>
+                      </a:r>
+                      <a:endParaRPr lang="en-SE" sz="800" dirty="0"/>
+                    </a:p>
+                  </a:txBody>
+                  <a:tcPr/>
+                </a:tc>
+                <a:tc>
+                  <a:txBody>
+                    <a:bodyPr/>
+                    <a:lstStyle/>
+                    <a:p>
+                      <a:r>
+                        <a:rPr lang="en-US" sz="800" dirty="0"/>
+                        <a:t>Year</a:t>
+                      </a:r>
+                      <a:endParaRPr lang="en-SE" sz="800" dirty="0"/>
+                    </a:p>
+                  </a:txBody>
+                  <a:tcPr/>
+                </a:tc>
+                <a:tc>
+                  <a:txBody>
+                    <a:bodyPr/>
+                    <a:lstStyle/>
+                    <a:p>
+                      <a:r>
+                        <a:rPr lang="en-US" sz="800" dirty="0"/>
+                        <a:t>Municipality</a:t>
+                      </a:r>
+                      <a:endParaRPr lang="en-SE" sz="800" dirty="0"/>
+                    </a:p>
+                  </a:txBody>
+                  <a:tcPr/>
+                </a:tc>
+                <a:tc>
+                  <a:txBody>
+                    <a:bodyPr/>
+                    <a:lstStyle/>
+                    <a:p>
+                      <a:r>
+                        <a:rPr lang="en-US" sz="800" dirty="0"/>
+                        <a:t>Dimension 1</a:t>
+                      </a:r>
+                      <a:endParaRPr lang="en-SE" sz="800" dirty="0"/>
+                    </a:p>
+                  </a:txBody>
+                  <a:tcPr/>
+                </a:tc>
+                <a:tc>
+                  <a:txBody>
+                    <a:bodyPr/>
+                    <a:lstStyle/>
+                    <a:p>
+                      <a:pPr marL="0" marR="0" lvl="0" indent="0" algn="l" defTabSz="914400" rtl="0" eaLnBrk="1" fontAlgn="auto" latinLnBrk="0" hangingPunct="1">
+                        <a:lnSpc>
+                          <a:spcPct val="100000"/>
+                        </a:lnSpc>
+                        <a:spcBef>
+                          <a:spcPts val="0"/>
+                        </a:spcBef>
+                        <a:spcAft>
+                          <a:spcPts val="0"/>
+                        </a:spcAft>
+                        <a:buClrTx/>
+                        <a:buSzTx/>
+                        <a:buFontTx/>
+                        <a:buNone/>
+                        <a:tabLst/>
+                        <a:defRPr/>
+                      </a:pPr>
+                      <a:r>
+                        <a:rPr lang="en-US" sz="800" dirty="0"/>
+                        <a:t>Measures 1</a:t>
+                      </a:r>
+                      <a:endParaRPr lang="en-SE" sz="800" dirty="0"/>
+                    </a:p>
+                  </a:txBody>
+                  <a:tcPr/>
+                </a:tc>
+                <a:tc>
+                  <a:txBody>
+                    <a:bodyPr/>
+                    <a:lstStyle/>
+                    <a:p>
+                      <a:pPr marL="0" marR="0" lvl="0" indent="0" algn="l" defTabSz="914400" rtl="0" eaLnBrk="1" fontAlgn="auto" latinLnBrk="0" hangingPunct="1">
+                        <a:lnSpc>
+                          <a:spcPct val="100000"/>
+                        </a:lnSpc>
+                        <a:spcBef>
+                          <a:spcPts val="0"/>
+                        </a:spcBef>
+                        <a:spcAft>
+                          <a:spcPts val="0"/>
+                        </a:spcAft>
+                        <a:buClrTx/>
+                        <a:buSzTx/>
+                        <a:buFontTx/>
+                        <a:buNone/>
+                        <a:tabLst/>
+                        <a:defRPr/>
+                      </a:pPr>
+                      <a:r>
+                        <a:rPr lang="en-US" sz="800" dirty="0"/>
+                        <a:t>Measures 2</a:t>
+                      </a:r>
+                    </a:p>
+                    <a:p>
+                      <a:pPr marL="0" marR="0" lvl="0" indent="0" algn="l" defTabSz="914400" rtl="0" eaLnBrk="1" fontAlgn="auto" latinLnBrk="0" hangingPunct="1">
+                        <a:lnSpc>
+                          <a:spcPct val="100000"/>
+                        </a:lnSpc>
+                        <a:spcBef>
+                          <a:spcPts val="0"/>
+                        </a:spcBef>
+                        <a:spcAft>
+                          <a:spcPts val="0"/>
+                        </a:spcAft>
+                        <a:buClrTx/>
+                        <a:buSzTx/>
+                        <a:buFontTx/>
+                        <a:buNone/>
+                        <a:tabLst/>
+                        <a:defRPr/>
+                      </a:pPr>
+                      <a:r>
+                        <a:rPr lang="en-US" sz="800" dirty="0"/>
+                        <a:t>….</a:t>
+                      </a:r>
+                      <a:endParaRPr lang="en-SE" sz="800" dirty="0"/>
+                    </a:p>
+                    <a:p>
+                      <a:endParaRPr lang="en-SE" sz="800" dirty="0"/>
+                    </a:p>
+                  </a:txBody>
+                  <a:tcPr/>
+                </a:tc>
+                <a:extLst>
+                  <a:ext uri="{0D108BD9-81ED-4DB2-BD59-A6C34878D82A}">
+                    <a16:rowId xmlns:a16="http://schemas.microsoft.com/office/drawing/2014/main" val="3737144509"/>
+                  </a:ext>
+                </a:extLst>
+              </a:tr>
+              <a:tr h="146001">
+                <a:tc>
+                  <a:txBody>
+                    <a:bodyPr/>
+                    <a:lstStyle/>
+                    <a:p>
+                      <a:r>
+                        <a:rPr kumimoji="0" lang="en-US" sz="800" b="0" i="0" u="none" strike="noStrike" kern="1200" cap="none" spc="0" normalizeH="0" baseline="0" noProof="0">
+                          <a:ln>
+                            <a:noFill/>
+                          </a:ln>
+                          <a:solidFill>
+                            <a:prstClr val="black"/>
+                          </a:solidFill>
+                          <a:effectLst/>
+                          <a:uLnTx/>
+                          <a:uFillTx/>
+                          <a:latin typeface="Calibri" panose="020F0502020204030204"/>
+                          <a:ea typeface="+mn-ea"/>
+                          <a:cs typeface="+mn-cs"/>
+                        </a:rPr>
+                        <a:t>Int</a:t>
+                      </a:r>
+                      <a:endParaRPr lang="en-SE" sz="800" dirty="0"/>
+                    </a:p>
+                  </a:txBody>
+                  <a:tcPr/>
+                </a:tc>
+                <a:tc>
+                  <a:txBody>
+                    <a:bodyPr/>
+                    <a:lstStyle/>
+                    <a:p>
+                      <a:r>
+                        <a:rPr kumimoji="0" lang="en-US" sz="800" b="0" i="0" u="none" strike="noStrike" kern="1200" cap="none" spc="0" normalizeH="0" baseline="0" noProof="0" dirty="0">
+                          <a:ln>
+                            <a:noFill/>
+                          </a:ln>
+                          <a:solidFill>
+                            <a:prstClr val="black"/>
+                          </a:solidFill>
+                          <a:effectLst/>
+                          <a:uLnTx/>
+                          <a:uFillTx/>
+                          <a:latin typeface="Calibri" panose="020F0502020204030204"/>
+                          <a:ea typeface="+mn-ea"/>
+                          <a:cs typeface="+mn-cs"/>
+                        </a:rPr>
+                        <a:t>Int</a:t>
+                      </a:r>
+                      <a:endParaRPr lang="en-SE" sz="800" dirty="0"/>
+                    </a:p>
+                  </a:txBody>
+                  <a:tcPr/>
+                </a:tc>
+                <a:tc>
+                  <a:txBody>
+                    <a:bodyPr/>
+                    <a:lstStyle/>
+                    <a:p>
+                      <a:r>
+                        <a:rPr lang="en-US" sz="800" dirty="0"/>
+                        <a:t>String</a:t>
+                      </a:r>
+                      <a:endParaRPr lang="en-SE" sz="800" dirty="0"/>
+                    </a:p>
+                  </a:txBody>
+                  <a:tcPr/>
+                </a:tc>
+                <a:tc>
+                  <a:txBody>
+                    <a:bodyPr/>
+                    <a:lstStyle/>
+                    <a:p>
+                      <a:r>
+                        <a:rPr lang="en-US" sz="800" dirty="0"/>
+                        <a:t>String</a:t>
+                      </a:r>
+                      <a:endParaRPr lang="en-SE" sz="800" dirty="0"/>
+                    </a:p>
+                  </a:txBody>
+                  <a:tcPr/>
+                </a:tc>
+                <a:tc>
+                  <a:txBody>
+                    <a:bodyPr/>
+                    <a:lstStyle/>
+                    <a:p>
+                      <a:r>
+                        <a:rPr lang="en-US" sz="800" dirty="0"/>
+                        <a:t>Long/float</a:t>
+                      </a:r>
+                      <a:endParaRPr lang="en-SE" sz="800" dirty="0"/>
+                    </a:p>
+                  </a:txBody>
+                  <a:tcPr/>
+                </a:tc>
+                <a:tc>
+                  <a:txBody>
+                    <a:bodyPr/>
+                    <a:lstStyle/>
+                    <a:p>
+                      <a:r>
+                        <a:rPr lang="en-US" sz="800" dirty="0"/>
+                        <a:t>Long/float</a:t>
+                      </a:r>
+                      <a:endParaRPr lang="en-SE" sz="800" dirty="0"/>
+                    </a:p>
+                  </a:txBody>
+                  <a:tcPr/>
+                </a:tc>
+                <a:extLst>
+                  <a:ext uri="{0D108BD9-81ED-4DB2-BD59-A6C34878D82A}">
+                    <a16:rowId xmlns:a16="http://schemas.microsoft.com/office/drawing/2014/main" val="1228389643"/>
+                  </a:ext>
+                </a:extLst>
+              </a:tr>
+              <a:tr h="146001">
+                <a:tc>
+                  <a:txBody>
+                    <a:bodyPr/>
+                    <a:lstStyle/>
+                    <a:p>
+                      <a:endParaRPr lang="en-SE" sz="800"/>
+                    </a:p>
+                  </a:txBody>
+                  <a:tcPr/>
+                </a:tc>
+                <a:tc>
+                  <a:txBody>
+                    <a:bodyPr/>
+                    <a:lstStyle/>
+                    <a:p>
+                      <a:endParaRPr lang="en-SE" sz="800"/>
+                    </a:p>
+                  </a:txBody>
+                  <a:tcPr/>
+                </a:tc>
+                <a:tc>
+                  <a:txBody>
+                    <a:bodyPr/>
+                    <a:lstStyle/>
+                    <a:p>
+                      <a:endParaRPr lang="en-SE" sz="800"/>
+                    </a:p>
+                  </a:txBody>
+                  <a:tcPr/>
+                </a:tc>
+                <a:tc>
+                  <a:txBody>
+                    <a:bodyPr/>
+                    <a:lstStyle/>
+                    <a:p>
+                      <a:endParaRPr lang="en-SE" sz="800"/>
+                    </a:p>
+                  </a:txBody>
+                  <a:tcPr/>
+                </a:tc>
+                <a:tc>
+                  <a:txBody>
+                    <a:bodyPr/>
+                    <a:lstStyle/>
+                    <a:p>
+                      <a:endParaRPr lang="en-SE" sz="800" dirty="0"/>
+                    </a:p>
+                  </a:txBody>
+                  <a:tcPr/>
+                </a:tc>
+                <a:tc>
+                  <a:txBody>
+                    <a:bodyPr/>
+                    <a:lstStyle/>
+                    <a:p>
+                      <a:endParaRPr lang="en-SE" sz="800" dirty="0"/>
+                    </a:p>
+                  </a:txBody>
+                  <a:tcPr/>
+                </a:tc>
+                <a:extLst>
+                  <a:ext uri="{0D108BD9-81ED-4DB2-BD59-A6C34878D82A}">
+                    <a16:rowId xmlns:a16="http://schemas.microsoft.com/office/drawing/2014/main" val="2055317672"/>
+                  </a:ext>
+                </a:extLst>
+              </a:tr>
+            </a:tbl>
+          </a:graphicData>
+        </a:graphic>
+      </p:graphicFrame>
+      <p:cxnSp>
+        <p:nvCxnSpPr>
+          <p:cNvPr id="54" name="Straight Arrow Connector 53">
+            <a:extLst>
+              <a:ext uri="{FF2B5EF4-FFF2-40B4-BE49-F238E27FC236}">
+                <a16:creationId xmlns:a16="http://schemas.microsoft.com/office/drawing/2014/main" id="{7332E6B3-70D4-381F-A0F2-E9DB55398624}"/>
+              </a:ext>
+            </a:extLst>
+          </p:cNvPr>
+          <p:cNvCxnSpPr>
+            <a:cxnSpLocks/>
+          </p:cNvCxnSpPr>
+          <p:nvPr/>
+        </p:nvCxnSpPr>
+        <p:spPr>
+          <a:xfrm>
+            <a:off x="3925814" y="2439898"/>
+            <a:ext cx="0" cy="1400086"/>
+          </a:xfrm>
+          <a:prstGeom prst="straightConnector1">
+            <a:avLst/>
+          </a:prstGeom>
+          <a:ln w="38100">
+            <a:solidFill>
+              <a:srgbClr val="00B050"/>
+            </a:solidFill>
+            <a:tailEnd type="triangle"/>
+          </a:ln>
+        </p:spPr>
+        <p:style>
+          <a:lnRef idx="1">
+            <a:schemeClr val="accent1"/>
+          </a:lnRef>
+          <a:fillRef idx="0">
+            <a:schemeClr val="accent1"/>
+          </a:fillRef>
+          <a:effectRef idx="0">
+            <a:schemeClr val="accent1"/>
+          </a:effectRef>
+          <a:fontRef idx="minor">
+            <a:schemeClr val="tx1"/>
+          </a:fontRef>
+        </p:style>
+      </p:cxnSp>
+      <p:sp>
+        <p:nvSpPr>
+          <p:cNvPr id="57" name="TextBox 56">
+            <a:extLst>
+              <a:ext uri="{FF2B5EF4-FFF2-40B4-BE49-F238E27FC236}">
+                <a16:creationId xmlns:a16="http://schemas.microsoft.com/office/drawing/2014/main" id="{FC328E1A-ECA8-567A-CC15-7C6979449D6D}"/>
+              </a:ext>
+            </a:extLst>
+          </p:cNvPr>
+          <p:cNvSpPr txBox="1"/>
+          <p:nvPr/>
+        </p:nvSpPr>
+        <p:spPr>
+          <a:xfrm>
+            <a:off x="4500993" y="1481267"/>
+            <a:ext cx="1198484" cy="553998"/>
+          </a:xfrm>
+          <a:prstGeom prst="rect">
+            <a:avLst/>
+          </a:prstGeom>
+          <a:noFill/>
+          <a:ln>
+            <a:noFill/>
+          </a:ln>
+        </p:spPr>
+        <p:txBody>
+          <a:bodyPr wrap="square" rtlCol="0">
+            <a:spAutoFit/>
+          </a:bodyPr>
+          <a:lstStyle/>
+          <a:p>
+            <a:pPr algn="ctr"/>
+            <a:r>
+              <a:rPr lang="en-US" sz="1000" dirty="0"/>
+              <a:t>Data transformations done at run-time</a:t>
+            </a:r>
+            <a:endParaRPr lang="en-SE" sz="1000" dirty="0"/>
+          </a:p>
+        </p:txBody>
+      </p:sp>
+      <p:graphicFrame>
+        <p:nvGraphicFramePr>
+          <p:cNvPr id="58" name="Table 57">
+            <a:extLst>
+              <a:ext uri="{FF2B5EF4-FFF2-40B4-BE49-F238E27FC236}">
+                <a16:creationId xmlns:a16="http://schemas.microsoft.com/office/drawing/2014/main" id="{9C2F96F9-FDCB-0460-BDC7-318E194EE3DA}"/>
+              </a:ext>
+            </a:extLst>
+          </p:cNvPr>
+          <p:cNvGraphicFramePr>
+            <a:graphicFrameLocks noGrp="1"/>
+          </p:cNvGraphicFramePr>
+          <p:nvPr/>
+        </p:nvGraphicFramePr>
+        <p:xfrm>
+          <a:off x="7740709" y="394013"/>
+          <a:ext cx="4044276" cy="792480"/>
+        </p:xfrm>
+        <a:graphic>
+          <a:graphicData uri="http://schemas.openxmlformats.org/drawingml/2006/table">
+            <a:tbl>
+              <a:tblPr firstRow="1" bandRow="1">
+                <a:tableStyleId>{5C22544A-7EE6-4342-B048-85BDC9FD1C3A}</a:tableStyleId>
+              </a:tblPr>
+              <a:tblGrid>
+                <a:gridCol w="433705">
+                  <a:extLst>
+                    <a:ext uri="{9D8B030D-6E8A-4147-A177-3AD203B41FA5}">
+                      <a16:colId xmlns:a16="http://schemas.microsoft.com/office/drawing/2014/main" val="3218476075"/>
+                    </a:ext>
+                  </a:extLst>
+                </a:gridCol>
+                <a:gridCol w="417830">
+                  <a:extLst>
+                    <a:ext uri="{9D8B030D-6E8A-4147-A177-3AD203B41FA5}">
+                      <a16:colId xmlns:a16="http://schemas.microsoft.com/office/drawing/2014/main" val="636071209"/>
+                    </a:ext>
+                  </a:extLst>
+                </a:gridCol>
+                <a:gridCol w="328939">
+                  <a:extLst>
+                    <a:ext uri="{9D8B030D-6E8A-4147-A177-3AD203B41FA5}">
+                      <a16:colId xmlns:a16="http://schemas.microsoft.com/office/drawing/2014/main" val="1938421867"/>
+                    </a:ext>
+                  </a:extLst>
+                </a:gridCol>
+                <a:gridCol w="600393">
+                  <a:extLst>
+                    <a:ext uri="{9D8B030D-6E8A-4147-A177-3AD203B41FA5}">
+                      <a16:colId xmlns:a16="http://schemas.microsoft.com/office/drawing/2014/main" val="2195599867"/>
+                    </a:ext>
+                  </a:extLst>
+                </a:gridCol>
+                <a:gridCol w="595630">
+                  <a:extLst>
+                    <a:ext uri="{9D8B030D-6E8A-4147-A177-3AD203B41FA5}">
+                      <a16:colId xmlns:a16="http://schemas.microsoft.com/office/drawing/2014/main" val="550792875"/>
+                    </a:ext>
+                  </a:extLst>
+                </a:gridCol>
+                <a:gridCol w="613093">
+                  <a:extLst>
+                    <a:ext uri="{9D8B030D-6E8A-4147-A177-3AD203B41FA5}">
+                      <a16:colId xmlns:a16="http://schemas.microsoft.com/office/drawing/2014/main" val="1534992660"/>
+                    </a:ext>
+                  </a:extLst>
+                </a:gridCol>
+                <a:gridCol w="533718">
+                  <a:extLst>
+                    <a:ext uri="{9D8B030D-6E8A-4147-A177-3AD203B41FA5}">
+                      <a16:colId xmlns:a16="http://schemas.microsoft.com/office/drawing/2014/main" val="2162848958"/>
+                    </a:ext>
+                  </a:extLst>
+                </a:gridCol>
+                <a:gridCol w="520968">
+                  <a:extLst>
+                    <a:ext uri="{9D8B030D-6E8A-4147-A177-3AD203B41FA5}">
+                      <a16:colId xmlns:a16="http://schemas.microsoft.com/office/drawing/2014/main" val="1527330756"/>
+                    </a:ext>
+                  </a:extLst>
+                </a:gridCol>
+              </a:tblGrid>
+              <a:tr h="228055">
+                <a:tc>
+                  <a:txBody>
+                    <a:bodyPr/>
+                    <a:lstStyle/>
+                    <a:p>
+                      <a:r>
+                        <a:rPr lang="en-US" sz="600" dirty="0"/>
+                        <a:t>Model</a:t>
+                      </a:r>
+                    </a:p>
+                    <a:p>
+                      <a:r>
+                        <a:rPr lang="en-US" sz="600" dirty="0"/>
+                        <a:t>version</a:t>
+                      </a:r>
+                      <a:endParaRPr lang="en-SE" sz="600" dirty="0"/>
+                    </a:p>
+                  </a:txBody>
+                  <a:tcPr/>
+                </a:tc>
+                <a:tc>
+                  <a:txBody>
+                    <a:bodyPr/>
+                    <a:lstStyle/>
+                    <a:p>
+                      <a:r>
+                        <a:rPr lang="en-US" sz="600" dirty="0"/>
+                        <a:t>Month</a:t>
+                      </a:r>
+                      <a:endParaRPr lang="en-SE" sz="600" dirty="0"/>
+                    </a:p>
+                  </a:txBody>
+                  <a:tcPr/>
+                </a:tc>
+                <a:tc>
+                  <a:txBody>
+                    <a:bodyPr/>
+                    <a:lstStyle/>
+                    <a:p>
+                      <a:r>
+                        <a:rPr lang="en-US" sz="600" dirty="0"/>
+                        <a:t>Year</a:t>
+                      </a:r>
+                      <a:endParaRPr lang="en-SE" sz="600" dirty="0"/>
+                    </a:p>
+                  </a:txBody>
+                  <a:tcPr/>
+                </a:tc>
+                <a:tc>
+                  <a:txBody>
+                    <a:bodyPr/>
+                    <a:lstStyle/>
+                    <a:p>
+                      <a:r>
+                        <a:rPr lang="en-US" sz="600" dirty="0"/>
+                        <a:t>Municipality</a:t>
+                      </a:r>
+                      <a:endParaRPr lang="en-SE" sz="600" dirty="0"/>
+                    </a:p>
+                  </a:txBody>
+                  <a:tcPr/>
+                </a:tc>
+                <a:tc>
+                  <a:txBody>
+                    <a:bodyPr/>
+                    <a:lstStyle/>
+                    <a:p>
+                      <a:r>
+                        <a:rPr lang="en-US" sz="600" dirty="0"/>
+                        <a:t>Dimension 1</a:t>
+                      </a:r>
+                      <a:endParaRPr lang="en-SE" sz="600" dirty="0"/>
+                    </a:p>
+                  </a:txBody>
+                  <a:tcPr/>
+                </a:tc>
+                <a:tc>
+                  <a:txBody>
+                    <a:bodyPr/>
+                    <a:lstStyle/>
+                    <a:p>
+                      <a:pPr marL="0" marR="0" lvl="0" indent="0" algn="l" defTabSz="914400" rtl="0" eaLnBrk="1" fontAlgn="auto" latinLnBrk="0" hangingPunct="1">
+                        <a:lnSpc>
+                          <a:spcPct val="100000"/>
+                        </a:lnSpc>
+                        <a:spcBef>
+                          <a:spcPts val="0"/>
+                        </a:spcBef>
+                        <a:spcAft>
+                          <a:spcPts val="0"/>
+                        </a:spcAft>
+                        <a:buClrTx/>
+                        <a:buSzTx/>
+                        <a:buFontTx/>
+                        <a:buNone/>
+                        <a:tabLst/>
+                        <a:defRPr/>
+                      </a:pPr>
+                      <a:r>
+                        <a:rPr lang="en-US" sz="600" dirty="0"/>
+                        <a:t>Dimension 2 </a:t>
+                      </a:r>
+                    </a:p>
+                    <a:p>
+                      <a:pPr marL="0" marR="0" lvl="0" indent="0" algn="l" defTabSz="914400" rtl="0" eaLnBrk="1" fontAlgn="auto" latinLnBrk="0" hangingPunct="1">
+                        <a:lnSpc>
+                          <a:spcPct val="100000"/>
+                        </a:lnSpc>
+                        <a:spcBef>
+                          <a:spcPts val="0"/>
+                        </a:spcBef>
+                        <a:spcAft>
+                          <a:spcPts val="0"/>
+                        </a:spcAft>
+                        <a:buClrTx/>
+                        <a:buSzTx/>
+                        <a:buFontTx/>
+                        <a:buNone/>
+                        <a:tabLst/>
+                        <a:defRPr/>
+                      </a:pPr>
+                      <a:r>
+                        <a:rPr lang="en-US" sz="600" dirty="0"/>
+                        <a:t>….</a:t>
+                      </a:r>
+                      <a:endParaRPr lang="en-SE" sz="600" dirty="0"/>
+                    </a:p>
+                    <a:p>
+                      <a:endParaRPr lang="en-SE" sz="600" dirty="0"/>
+                    </a:p>
+                  </a:txBody>
+                  <a:tcPr/>
+                </a:tc>
+                <a:tc>
+                  <a:txBody>
+                    <a:bodyPr/>
+                    <a:lstStyle/>
+                    <a:p>
+                      <a:pPr marL="0" marR="0" lvl="0" indent="0" algn="l" defTabSz="914400" rtl="0" eaLnBrk="1" fontAlgn="auto" latinLnBrk="0" hangingPunct="1">
+                        <a:lnSpc>
+                          <a:spcPct val="100000"/>
+                        </a:lnSpc>
+                        <a:spcBef>
+                          <a:spcPts val="0"/>
+                        </a:spcBef>
+                        <a:spcAft>
+                          <a:spcPts val="0"/>
+                        </a:spcAft>
+                        <a:buClrTx/>
+                        <a:buSzTx/>
+                        <a:buFontTx/>
+                        <a:buNone/>
+                        <a:tabLst/>
+                        <a:defRPr/>
+                      </a:pPr>
+                      <a:r>
+                        <a:rPr lang="en-US" sz="600" dirty="0"/>
+                        <a:t>Subscriber</a:t>
+                      </a:r>
+                    </a:p>
+                    <a:p>
+                      <a:pPr marL="0" marR="0" lvl="0" indent="0" algn="l" defTabSz="914400" rtl="0" eaLnBrk="1" fontAlgn="auto" latinLnBrk="0" hangingPunct="1">
+                        <a:lnSpc>
+                          <a:spcPct val="100000"/>
+                        </a:lnSpc>
+                        <a:spcBef>
+                          <a:spcPts val="0"/>
+                        </a:spcBef>
+                        <a:spcAft>
+                          <a:spcPts val="0"/>
+                        </a:spcAft>
+                        <a:buClrTx/>
+                        <a:buSzTx/>
+                        <a:buFontTx/>
+                        <a:buNone/>
+                        <a:tabLst/>
+                        <a:defRPr/>
+                      </a:pPr>
+                      <a:r>
+                        <a:rPr lang="en-US" sz="600" dirty="0"/>
+                        <a:t>count</a:t>
+                      </a:r>
+                      <a:endParaRPr lang="en-SE" sz="600" dirty="0"/>
+                    </a:p>
+                  </a:txBody>
+                  <a:tcPr/>
+                </a:tc>
+                <a:tc>
+                  <a:txBody>
+                    <a:bodyPr/>
+                    <a:lstStyle/>
+                    <a:p>
+                      <a:pPr marL="0" marR="0" lvl="0" indent="0" algn="l" defTabSz="914400" rtl="0" eaLnBrk="1" fontAlgn="auto" latinLnBrk="0" hangingPunct="1">
+                        <a:lnSpc>
+                          <a:spcPct val="100000"/>
+                        </a:lnSpc>
+                        <a:spcBef>
+                          <a:spcPts val="0"/>
+                        </a:spcBef>
+                        <a:spcAft>
+                          <a:spcPts val="0"/>
+                        </a:spcAft>
+                        <a:buClrTx/>
+                        <a:buSzTx/>
+                        <a:buFontTx/>
+                        <a:buNone/>
+                        <a:tabLst/>
+                        <a:defRPr/>
+                      </a:pPr>
+                      <a:r>
+                        <a:rPr lang="en-US" sz="600" dirty="0"/>
+                        <a:t>Data </a:t>
+                      </a:r>
+                    </a:p>
+                    <a:p>
+                      <a:pPr marL="0" marR="0" lvl="0" indent="0" algn="l" defTabSz="914400" rtl="0" eaLnBrk="1" fontAlgn="auto" latinLnBrk="0" hangingPunct="1">
+                        <a:lnSpc>
+                          <a:spcPct val="100000"/>
+                        </a:lnSpc>
+                        <a:spcBef>
+                          <a:spcPts val="0"/>
+                        </a:spcBef>
+                        <a:spcAft>
+                          <a:spcPts val="0"/>
+                        </a:spcAft>
+                        <a:buClrTx/>
+                        <a:buSzTx/>
+                        <a:buFontTx/>
+                        <a:buNone/>
+                        <a:tabLst/>
+                        <a:defRPr/>
+                      </a:pPr>
+                      <a:r>
+                        <a:rPr lang="en-US" sz="600" dirty="0"/>
+                        <a:t>Consumed</a:t>
+                      </a:r>
+                      <a:endParaRPr lang="en-SE" sz="600" dirty="0"/>
+                    </a:p>
+                    <a:p>
+                      <a:endParaRPr lang="en-SE" sz="600" dirty="0"/>
+                    </a:p>
+                  </a:txBody>
+                  <a:tcPr/>
+                </a:tc>
+                <a:extLst>
+                  <a:ext uri="{0D108BD9-81ED-4DB2-BD59-A6C34878D82A}">
+                    <a16:rowId xmlns:a16="http://schemas.microsoft.com/office/drawing/2014/main" val="3737144509"/>
+                  </a:ext>
+                </a:extLst>
+              </a:tr>
+              <a:tr h="186956">
+                <a:tc>
+                  <a:txBody>
+                    <a:bodyPr/>
+                    <a:lstStyle/>
+                    <a:p>
+                      <a:r>
+                        <a:rPr lang="en-US" sz="800" dirty="0"/>
+                        <a:t>Float</a:t>
+                      </a:r>
+                      <a:endParaRPr lang="en-SE" sz="800" dirty="0"/>
+                    </a:p>
+                  </a:txBody>
+                  <a:tcPr/>
+                </a:tc>
+                <a:tc>
+                  <a:txBody>
+                    <a:bodyPr/>
+                    <a:lstStyle/>
+                    <a:p>
+                      <a:r>
+                        <a:rPr lang="en-US" sz="800" dirty="0"/>
+                        <a:t>Int</a:t>
+                      </a:r>
+                      <a:endParaRPr lang="en-SE" sz="800" dirty="0"/>
+                    </a:p>
+                  </a:txBody>
+                  <a:tcPr/>
+                </a:tc>
+                <a:tc>
+                  <a:txBody>
+                    <a:bodyPr/>
+                    <a:lstStyle/>
+                    <a:p>
+                      <a:r>
+                        <a:rPr lang="en-US" sz="800" dirty="0"/>
+                        <a:t>Int</a:t>
+                      </a:r>
+                      <a:endParaRPr lang="en-SE" sz="800" dirty="0"/>
+                    </a:p>
+                  </a:txBody>
+                  <a:tcPr/>
+                </a:tc>
+                <a:tc>
+                  <a:txBody>
+                    <a:bodyPr/>
+                    <a:lstStyle/>
+                    <a:p>
+                      <a:r>
+                        <a:rPr lang="en-US" sz="800" dirty="0"/>
+                        <a:t>String</a:t>
+                      </a:r>
+                      <a:endParaRPr lang="en-SE" sz="800" dirty="0"/>
+                    </a:p>
+                  </a:txBody>
+                  <a:tcPr/>
+                </a:tc>
+                <a:tc>
+                  <a:txBody>
+                    <a:bodyPr/>
+                    <a:lstStyle/>
+                    <a:p>
+                      <a:r>
+                        <a:rPr lang="en-US" sz="800" dirty="0"/>
+                        <a:t>String</a:t>
+                      </a:r>
+                      <a:endParaRPr lang="en-SE" sz="800" dirty="0"/>
+                    </a:p>
+                  </a:txBody>
+                  <a:tcPr/>
+                </a:tc>
+                <a:tc>
+                  <a:txBody>
+                    <a:bodyPr/>
+                    <a:lstStyle/>
+                    <a:p>
+                      <a:r>
+                        <a:rPr lang="en-US" sz="800" dirty="0"/>
+                        <a:t>String</a:t>
+                      </a:r>
+                      <a:endParaRPr lang="en-SE" sz="800" dirty="0"/>
+                    </a:p>
+                  </a:txBody>
+                  <a:tcPr/>
+                </a:tc>
+                <a:tc>
+                  <a:txBody>
+                    <a:bodyPr/>
+                    <a:lstStyle/>
+                    <a:p>
+                      <a:r>
+                        <a:rPr lang="en-US" sz="800" dirty="0"/>
+                        <a:t>Long</a:t>
+                      </a:r>
+                      <a:endParaRPr lang="en-SE" sz="800" dirty="0"/>
+                    </a:p>
+                  </a:txBody>
+                  <a:tcPr/>
+                </a:tc>
+                <a:tc>
+                  <a:txBody>
+                    <a:bodyPr/>
+                    <a:lstStyle/>
+                    <a:p>
+                      <a:r>
+                        <a:rPr lang="en-US" sz="800" dirty="0"/>
+                        <a:t>Long</a:t>
+                      </a:r>
+                      <a:endParaRPr lang="en-SE" sz="800" dirty="0"/>
+                    </a:p>
+                  </a:txBody>
+                  <a:tcPr/>
+                </a:tc>
+                <a:extLst>
+                  <a:ext uri="{0D108BD9-81ED-4DB2-BD59-A6C34878D82A}">
+                    <a16:rowId xmlns:a16="http://schemas.microsoft.com/office/drawing/2014/main" val="1228389643"/>
+                  </a:ext>
+                </a:extLst>
+              </a:tr>
+              <a:tr h="186956">
+                <a:tc>
+                  <a:txBody>
+                    <a:bodyPr/>
+                    <a:lstStyle/>
+                    <a:p>
+                      <a:endParaRPr lang="en-SE" sz="800" dirty="0"/>
+                    </a:p>
+                  </a:txBody>
+                  <a:tcPr/>
+                </a:tc>
+                <a:tc>
+                  <a:txBody>
+                    <a:bodyPr/>
+                    <a:lstStyle/>
+                    <a:p>
+                      <a:endParaRPr lang="en-SE" sz="800" dirty="0"/>
+                    </a:p>
+                  </a:txBody>
+                  <a:tcPr/>
+                </a:tc>
+                <a:tc>
+                  <a:txBody>
+                    <a:bodyPr/>
+                    <a:lstStyle/>
+                    <a:p>
+                      <a:endParaRPr lang="en-SE" sz="800"/>
+                    </a:p>
+                  </a:txBody>
+                  <a:tcPr/>
+                </a:tc>
+                <a:tc>
+                  <a:txBody>
+                    <a:bodyPr/>
+                    <a:lstStyle/>
+                    <a:p>
+                      <a:endParaRPr lang="en-SE" sz="800"/>
+                    </a:p>
+                  </a:txBody>
+                  <a:tcPr/>
+                </a:tc>
+                <a:tc>
+                  <a:txBody>
+                    <a:bodyPr/>
+                    <a:lstStyle/>
+                    <a:p>
+                      <a:endParaRPr lang="en-SE" sz="800"/>
+                    </a:p>
+                  </a:txBody>
+                  <a:tcPr/>
+                </a:tc>
+                <a:tc>
+                  <a:txBody>
+                    <a:bodyPr/>
+                    <a:lstStyle/>
+                    <a:p>
+                      <a:endParaRPr lang="en-SE" sz="800" dirty="0"/>
+                    </a:p>
+                  </a:txBody>
+                  <a:tcPr/>
+                </a:tc>
+                <a:tc>
+                  <a:txBody>
+                    <a:bodyPr/>
+                    <a:lstStyle/>
+                    <a:p>
+                      <a:endParaRPr lang="en-SE" sz="800" dirty="0"/>
+                    </a:p>
+                  </a:txBody>
+                  <a:tcPr/>
+                </a:tc>
+                <a:tc>
+                  <a:txBody>
+                    <a:bodyPr/>
+                    <a:lstStyle/>
+                    <a:p>
+                      <a:endParaRPr lang="en-SE" sz="800" dirty="0"/>
+                    </a:p>
+                  </a:txBody>
+                  <a:tcPr/>
+                </a:tc>
+                <a:extLst>
+                  <a:ext uri="{0D108BD9-81ED-4DB2-BD59-A6C34878D82A}">
+                    <a16:rowId xmlns:a16="http://schemas.microsoft.com/office/drawing/2014/main" val="2055317672"/>
+                  </a:ext>
+                </a:extLst>
+              </a:tr>
+            </a:tbl>
+          </a:graphicData>
+        </a:graphic>
+      </p:graphicFrame>
+      <p:cxnSp>
+        <p:nvCxnSpPr>
+          <p:cNvPr id="62" name="Straight Arrow Connector 61">
+            <a:extLst>
+              <a:ext uri="{FF2B5EF4-FFF2-40B4-BE49-F238E27FC236}">
+                <a16:creationId xmlns:a16="http://schemas.microsoft.com/office/drawing/2014/main" id="{CF86B4CB-AD84-8F6E-E122-A9D73101D53E}"/>
+              </a:ext>
+            </a:extLst>
+          </p:cNvPr>
+          <p:cNvCxnSpPr>
+            <a:cxnSpLocks/>
+            <a:stCxn id="80" idx="0"/>
+            <a:endCxn id="58" idx="2"/>
+          </p:cNvCxnSpPr>
+          <p:nvPr/>
+        </p:nvCxnSpPr>
+        <p:spPr>
+          <a:xfrm flipH="1" flipV="1">
+            <a:off x="9762847" y="1186493"/>
+            <a:ext cx="1" cy="1297735"/>
+          </a:xfrm>
+          <a:prstGeom prst="straightConnector1">
+            <a:avLst/>
+          </a:prstGeom>
+          <a:ln w="38100">
+            <a:solidFill>
+              <a:srgbClr val="00B050"/>
+            </a:solidFill>
+            <a:tailEnd type="triangle"/>
+          </a:ln>
+        </p:spPr>
+        <p:style>
+          <a:lnRef idx="1">
+            <a:schemeClr val="accent1"/>
+          </a:lnRef>
+          <a:fillRef idx="0">
+            <a:schemeClr val="accent1"/>
+          </a:fillRef>
+          <a:effectRef idx="0">
+            <a:schemeClr val="accent1"/>
+          </a:effectRef>
+          <a:fontRef idx="minor">
+            <a:schemeClr val="tx1"/>
+          </a:fontRef>
+        </p:style>
+      </p:cxnSp>
+      <p:sp>
+        <p:nvSpPr>
+          <p:cNvPr id="65" name="TextBox 64">
+            <a:extLst>
+              <a:ext uri="{FF2B5EF4-FFF2-40B4-BE49-F238E27FC236}">
+                <a16:creationId xmlns:a16="http://schemas.microsoft.com/office/drawing/2014/main" id="{38DB0A4D-3F3F-D241-F99F-11E3A279E90E}"/>
+              </a:ext>
+            </a:extLst>
+          </p:cNvPr>
+          <p:cNvSpPr txBox="1"/>
+          <p:nvPr/>
+        </p:nvSpPr>
+        <p:spPr>
+          <a:xfrm>
+            <a:off x="9741394" y="1281352"/>
+            <a:ext cx="1198484" cy="707886"/>
+          </a:xfrm>
+          <a:prstGeom prst="rect">
+            <a:avLst/>
+          </a:prstGeom>
+          <a:noFill/>
+          <a:ln>
+            <a:noFill/>
+          </a:ln>
+        </p:spPr>
+        <p:txBody>
+          <a:bodyPr wrap="square" rtlCol="0">
+            <a:spAutoFit/>
+          </a:bodyPr>
+          <a:lstStyle/>
+          <a:p>
+            <a:pPr algn="ctr"/>
+            <a:r>
+              <a:rPr lang="en-US" sz="1000" dirty="0"/>
+              <a:t>Table stores final predictions at most granular level for each model version</a:t>
+            </a:r>
+            <a:endParaRPr lang="en-SE" sz="1000" dirty="0"/>
+          </a:p>
+        </p:txBody>
+      </p:sp>
+      <p:sp>
+        <p:nvSpPr>
+          <p:cNvPr id="88" name="TextBox 87">
+            <a:extLst>
+              <a:ext uri="{FF2B5EF4-FFF2-40B4-BE49-F238E27FC236}">
+                <a16:creationId xmlns:a16="http://schemas.microsoft.com/office/drawing/2014/main" id="{4FA0C0C8-85B7-5451-80C2-C70D791B53AE}"/>
+              </a:ext>
+            </a:extLst>
+          </p:cNvPr>
+          <p:cNvSpPr txBox="1"/>
+          <p:nvPr/>
+        </p:nvSpPr>
+        <p:spPr>
+          <a:xfrm>
+            <a:off x="7806057" y="4706841"/>
+            <a:ext cx="3062743" cy="246221"/>
+          </a:xfrm>
+          <a:prstGeom prst="rect">
+            <a:avLst/>
+          </a:prstGeom>
+          <a:noFill/>
+          <a:ln>
+            <a:noFill/>
+          </a:ln>
+        </p:spPr>
+        <p:txBody>
+          <a:bodyPr wrap="square" rtlCol="0">
+            <a:spAutoFit/>
+          </a:bodyPr>
+          <a:lstStyle/>
+          <a:p>
+            <a:pPr algn="ctr"/>
+            <a:r>
+              <a:rPr lang="en-US" sz="1000" b="1" dirty="0"/>
+              <a:t>Input</a:t>
+            </a:r>
+            <a:r>
+              <a:rPr lang="en-US" sz="1000" dirty="0"/>
+              <a:t>: Month, Year, Dimension 1, Dimension 2 ….;</a:t>
+            </a:r>
+            <a:endParaRPr lang="en-SE" sz="1000" dirty="0"/>
+          </a:p>
+        </p:txBody>
+      </p:sp>
+      <p:sp>
+        <p:nvSpPr>
+          <p:cNvPr id="91" name="TextBox 90">
+            <a:extLst>
+              <a:ext uri="{FF2B5EF4-FFF2-40B4-BE49-F238E27FC236}">
+                <a16:creationId xmlns:a16="http://schemas.microsoft.com/office/drawing/2014/main" id="{79133143-65A9-09AB-9F7E-628B5ECE6F89}"/>
+              </a:ext>
+            </a:extLst>
+          </p:cNvPr>
+          <p:cNvSpPr txBox="1"/>
+          <p:nvPr/>
+        </p:nvSpPr>
+        <p:spPr>
+          <a:xfrm>
+            <a:off x="7566390" y="4867574"/>
+            <a:ext cx="3062743" cy="246221"/>
+          </a:xfrm>
+          <a:prstGeom prst="rect">
+            <a:avLst/>
+          </a:prstGeom>
+          <a:noFill/>
+          <a:ln>
+            <a:noFill/>
+          </a:ln>
+        </p:spPr>
+        <p:txBody>
+          <a:bodyPr wrap="square" rtlCol="0">
+            <a:spAutoFit/>
+          </a:bodyPr>
+          <a:lstStyle/>
+          <a:p>
+            <a:pPr algn="ctr"/>
+            <a:r>
+              <a:rPr lang="en-US" sz="1000" b="1" dirty="0"/>
+              <a:t>Output</a:t>
+            </a:r>
+            <a:r>
+              <a:rPr lang="en-US" sz="1000" dirty="0"/>
+              <a:t>: Subscriber count, Data consumed;</a:t>
+            </a:r>
+            <a:endParaRPr lang="en-SE" sz="1000" dirty="0"/>
+          </a:p>
+        </p:txBody>
+      </p:sp>
+      <p:cxnSp>
+        <p:nvCxnSpPr>
+          <p:cNvPr id="92" name="Straight Arrow Connector 91">
+            <a:extLst>
+              <a:ext uri="{FF2B5EF4-FFF2-40B4-BE49-F238E27FC236}">
+                <a16:creationId xmlns:a16="http://schemas.microsoft.com/office/drawing/2014/main" id="{53FA3936-4AE7-251C-592F-793F176626C3}"/>
+              </a:ext>
+            </a:extLst>
+          </p:cNvPr>
+          <p:cNvCxnSpPr>
+            <a:cxnSpLocks/>
+            <a:stCxn id="89" idx="2"/>
+            <a:endCxn id="88" idx="0"/>
+          </p:cNvCxnSpPr>
+          <p:nvPr/>
+        </p:nvCxnSpPr>
+        <p:spPr>
+          <a:xfrm>
+            <a:off x="9336346" y="4232110"/>
+            <a:ext cx="1083" cy="474731"/>
+          </a:xfrm>
+          <a:prstGeom prst="straightConnector1">
+            <a:avLst/>
+          </a:prstGeom>
+          <a:ln w="38100">
+            <a:solidFill>
+              <a:srgbClr val="00B050"/>
+            </a:solidFill>
+            <a:tailEnd type="triangle"/>
+          </a:ln>
+        </p:spPr>
+        <p:style>
+          <a:lnRef idx="1">
+            <a:schemeClr val="accent1"/>
+          </a:lnRef>
+          <a:fillRef idx="0">
+            <a:schemeClr val="accent1"/>
+          </a:fillRef>
+          <a:effectRef idx="0">
+            <a:schemeClr val="accent1"/>
+          </a:effectRef>
+          <a:fontRef idx="minor">
+            <a:schemeClr val="tx1"/>
+          </a:fontRef>
+        </p:style>
+      </p:cxnSp>
+    </p:spTree>
+    <p:extLst>
+      <p:ext uri="{BB962C8B-B14F-4D97-AF65-F5344CB8AC3E}">
+        <p14:creationId xmlns:p14="http://schemas.microsoft.com/office/powerpoint/2010/main" val="3275238779"/>
+      </p:ext>
+    </p:extLst>
+  </p:cSld>
+  <p:clrMapOvr>
+    <a:masterClrMapping/>
+  </p:clrMapOvr>
+</p:sld>
+</file>
+
 <file path=ppt/theme/theme1.xml><?xml version="1.0" encoding="utf-8"?>
 <a:theme xmlns:a="http://schemas.openxmlformats.org/drawingml/2006/main" name="Office Theme">
   <a:themeElements>
